--- a/Tutorial_04/Tutorial 04 - RNN and LSTM.pptx
+++ b/Tutorial_04/Tutorial 04 - RNN and LSTM.pptx
@@ -2,7 +2,7 @@
 <file path=ppt/presentation.xml><?xml version="1.0" encoding="utf-8"?>
 <p:presentation xmlns:a="http://schemas.openxmlformats.org/drawingml/2006/main" xmlns:r="http://schemas.openxmlformats.org/officeDocument/2006/relationships" xmlns:p="http://schemas.openxmlformats.org/presentationml/2006/main" saveSubsetFonts="1">
   <p:sldMasterIdLst>
-    <p:sldMasterId id="2147483660" r:id="rId1"/>
+    <p:sldMasterId id="2147483672" r:id="rId1"/>
   </p:sldMasterIdLst>
   <p:notesMasterIdLst>
     <p:notesMasterId r:id="rId23"/>
@@ -217,7 +217,7 @@
           <a:p>
             <a:fld id="{5E7D77C5-EF41-4475-B6F2-66C7695D06C6}" type="datetimeFigureOut">
               <a:rPr lang="en-IL" smtClean="0"/>
-              <a:t>05/10/2021</a:t>
+              <a:t>09/08/2021</a:t>
             </a:fld>
             <a:endParaRPr lang="en-IL"/>
           </a:p>
@@ -658,7 +658,7 @@
 </file>
 
 <file path=ppt/slideLayouts/slideLayout1.xml><?xml version="1.0" encoding="utf-8"?>
-<p:sldLayout xmlns:a="http://schemas.openxmlformats.org/drawingml/2006/main" xmlns:r="http://schemas.openxmlformats.org/officeDocument/2006/relationships" xmlns:p="http://schemas.openxmlformats.org/presentationml/2006/main" showMasterSp="0" type="title" preserve="1">
+<p:sldLayout xmlns:a="http://schemas.openxmlformats.org/drawingml/2006/main" xmlns:r="http://schemas.openxmlformats.org/officeDocument/2006/relationships" xmlns:p="http://schemas.openxmlformats.org/presentationml/2006/main" type="title" preserve="1">
   <p:cSld name="Title Slide">
     <p:spTree>
       <p:nvGrpSpPr>
@@ -676,83 +676,13 @@
       </p:grpSpPr>
       <p:sp>
         <p:nvSpPr>
-          <p:cNvPr id="7" name="Rectangle 6"/>
-          <p:cNvSpPr/>
-          <p:nvPr/>
-        </p:nvSpPr>
-        <p:spPr>
-          <a:xfrm>
-            <a:off x="3175" y="6400800"/>
-            <a:ext cx="12188825" cy="457200"/>
-          </a:xfrm>
-          <a:prstGeom prst="rect">
-            <a:avLst/>
-          </a:prstGeom>
-          <a:solidFill>
-            <a:schemeClr val="accent2"/>
-          </a:solidFill>
-          <a:ln>
-            <a:noFill/>
-          </a:ln>
-        </p:spPr>
-        <p:style>
-          <a:lnRef idx="2">
-            <a:schemeClr val="accent1">
-              <a:shade val="50000"/>
-            </a:schemeClr>
-          </a:lnRef>
-          <a:fillRef idx="1">
-            <a:schemeClr val="accent1"/>
-          </a:fillRef>
-          <a:effectRef idx="0">
-            <a:schemeClr val="accent1"/>
-          </a:effectRef>
-          <a:fontRef idx="minor">
-            <a:schemeClr val="lt1"/>
-          </a:fontRef>
-        </p:style>
-      </p:sp>
-      <p:sp>
-        <p:nvSpPr>
-          <p:cNvPr id="8" name="Rectangle 7"/>
-          <p:cNvSpPr/>
-          <p:nvPr/>
-        </p:nvSpPr>
-        <p:spPr>
-          <a:xfrm>
-            <a:off x="15" y="6334316"/>
-            <a:ext cx="12188825" cy="64008"/>
-          </a:xfrm>
-          <a:prstGeom prst="rect">
-            <a:avLst/>
-          </a:prstGeom>
-          <a:solidFill>
-            <a:schemeClr val="accent1"/>
-          </a:solidFill>
-          <a:ln>
-            <a:noFill/>
-          </a:ln>
-        </p:spPr>
-        <p:style>
-          <a:lnRef idx="2">
-            <a:schemeClr val="accent1">
-              <a:shade val="50000"/>
-            </a:schemeClr>
-          </a:lnRef>
-          <a:fillRef idx="1">
-            <a:schemeClr val="accent1"/>
-          </a:fillRef>
-          <a:effectRef idx="0">
-            <a:schemeClr val="accent1"/>
-          </a:effectRef>
-          <a:fontRef idx="minor">
-            <a:schemeClr val="lt1"/>
-          </a:fontRef>
-        </p:style>
-      </p:sp>
-      <p:sp>
-        <p:nvSpPr>
-          <p:cNvPr id="2" name="Title 1"/>
+          <p:cNvPr id="2" name="Title 1">
+            <a:extLst>
+              <a:ext uri="{FF2B5EF4-FFF2-40B4-BE49-F238E27FC236}">
+                <a16:creationId xmlns:a16="http://schemas.microsoft.com/office/drawing/2014/main" id="{89376C77-D08A-441E-954A-0487D9DB092E}"/>
+              </a:ext>
+            </a:extLst>
+          </p:cNvPr>
           <p:cNvSpPr>
             <a:spLocks noGrp="1"/>
           </p:cNvSpPr>
@@ -762,27 +692,15 @@
         </p:nvSpPr>
         <p:spPr>
           <a:xfrm>
-            <a:off x="1097280" y="758952"/>
-            <a:ext cx="10058400" cy="3566160"/>
+            <a:off x="1524000" y="1122363"/>
+            <a:ext cx="9144000" cy="2387600"/>
           </a:xfrm>
         </p:spPr>
         <p:txBody>
-          <a:bodyPr anchor="b">
-            <a:normAutofit/>
-          </a:bodyPr>
+          <a:bodyPr anchor="b"/>
           <a:lstStyle>
-            <a:lvl1pPr algn="l">
-              <a:lnSpc>
-                <a:spcPct val="85000"/>
-              </a:lnSpc>
-              <a:defRPr sz="8000" spc="-50" baseline="0">
-                <a:solidFill>
-                  <a:schemeClr val="tx1">
-                    <a:lumMod val="85000"/>
-                    <a:lumOff val="15000"/>
-                  </a:schemeClr>
-                </a:solidFill>
-              </a:defRPr>
+            <a:lvl1pPr algn="ctr">
+              <a:defRPr sz="6000"/>
             </a:lvl1pPr>
           </a:lstStyle>
           <a:p>
@@ -790,13 +708,18 @@
               <a:rPr lang="en-US"/>
               <a:t>Click to edit Master title style</a:t>
             </a:r>
-            <a:endParaRPr lang="en-US" dirty="0"/>
           </a:p>
         </p:txBody>
       </p:sp>
       <p:sp>
         <p:nvSpPr>
-          <p:cNvPr id="3" name="Subtitle 2"/>
+          <p:cNvPr id="3" name="Subtitle 2">
+            <a:extLst>
+              <a:ext uri="{FF2B5EF4-FFF2-40B4-BE49-F238E27FC236}">
+                <a16:creationId xmlns:a16="http://schemas.microsoft.com/office/drawing/2014/main" id="{9041EE75-AD71-4681-AA9B-BB5B7F3401A0}"/>
+              </a:ext>
+            </a:extLst>
+          </p:cNvPr>
           <p:cNvSpPr>
             <a:spLocks noGrp="1"/>
           </p:cNvSpPr>
@@ -806,55 +729,48 @@
         </p:nvSpPr>
         <p:spPr>
           <a:xfrm>
-            <a:off x="1100051" y="4455620"/>
-            <a:ext cx="10058400" cy="1143000"/>
+            <a:off x="1524000" y="3602038"/>
+            <a:ext cx="9144000" cy="1655762"/>
           </a:xfrm>
         </p:spPr>
         <p:txBody>
-          <a:bodyPr lIns="91440" rIns="91440">
-            <a:normAutofit/>
-          </a:bodyPr>
+          <a:bodyPr/>
           <a:lstStyle>
-            <a:lvl1pPr marL="0" indent="0" algn="l">
+            <a:lvl1pPr marL="0" indent="0" algn="ctr">
               <a:buNone/>
-              <a:defRPr sz="2400" cap="all" spc="200" baseline="0">
-                <a:solidFill>
-                  <a:schemeClr val="tx2"/>
-                </a:solidFill>
-                <a:latin typeface="+mj-lt"/>
-              </a:defRPr>
+              <a:defRPr sz="2400"/>
             </a:lvl1pPr>
             <a:lvl2pPr marL="457200" indent="0" algn="ctr">
               <a:buNone/>
-              <a:defRPr sz="2400"/>
+              <a:defRPr sz="2000"/>
             </a:lvl2pPr>
             <a:lvl3pPr marL="914400" indent="0" algn="ctr">
               <a:buNone/>
-              <a:defRPr sz="2400"/>
+              <a:defRPr sz="1800"/>
             </a:lvl3pPr>
             <a:lvl4pPr marL="1371600" indent="0" algn="ctr">
               <a:buNone/>
-              <a:defRPr sz="2000"/>
+              <a:defRPr sz="1600"/>
             </a:lvl4pPr>
             <a:lvl5pPr marL="1828800" indent="0" algn="ctr">
               <a:buNone/>
-              <a:defRPr sz="2000"/>
+              <a:defRPr sz="1600"/>
             </a:lvl5pPr>
             <a:lvl6pPr marL="2286000" indent="0" algn="ctr">
               <a:buNone/>
-              <a:defRPr sz="2000"/>
+              <a:defRPr sz="1600"/>
             </a:lvl6pPr>
             <a:lvl7pPr marL="2743200" indent="0" algn="ctr">
               <a:buNone/>
-              <a:defRPr sz="2000"/>
+              <a:defRPr sz="1600"/>
             </a:lvl7pPr>
             <a:lvl8pPr marL="3200400" indent="0" algn="ctr">
               <a:buNone/>
-              <a:defRPr sz="2000"/>
+              <a:defRPr sz="1600"/>
             </a:lvl8pPr>
             <a:lvl9pPr marL="3657600" indent="0" algn="ctr">
               <a:buNone/>
-              <a:defRPr sz="2000"/>
+              <a:defRPr sz="1600"/>
             </a:lvl9pPr>
           </a:lstStyle>
           <a:p>
@@ -862,13 +778,18 @@
               <a:rPr lang="en-US"/>
               <a:t>Click to edit Master subtitle style</a:t>
             </a:r>
-            <a:endParaRPr lang="en-US" dirty="0"/>
           </a:p>
         </p:txBody>
       </p:sp>
       <p:sp>
         <p:nvSpPr>
-          <p:cNvPr id="4" name="Date Placeholder 3"/>
+          <p:cNvPr id="4" name="Date Placeholder 3">
+            <a:extLst>
+              <a:ext uri="{FF2B5EF4-FFF2-40B4-BE49-F238E27FC236}">
+                <a16:creationId xmlns:a16="http://schemas.microsoft.com/office/drawing/2014/main" id="{F616C127-1446-4F2E-9691-3011070CBF6C}"/>
+              </a:ext>
+            </a:extLst>
+          </p:cNvPr>
           <p:cNvSpPr>
             <a:spLocks noGrp="1"/>
           </p:cNvSpPr>
@@ -883,7 +804,7 @@
           <a:p>
             <a:fld id="{8037BD97-F9CB-4136-94C9-564ACB7F02B2}" type="datetimeFigureOut">
               <a:rPr lang="en-US" smtClean="0"/>
-              <a:t>5/10/2021</a:t>
+              <a:t>9/8/2021</a:t>
             </a:fld>
             <a:endParaRPr lang="en-US"/>
           </a:p>
@@ -891,7 +812,13 @@
       </p:sp>
       <p:sp>
         <p:nvSpPr>
-          <p:cNvPr id="5" name="Footer Placeholder 4"/>
+          <p:cNvPr id="5" name="Footer Placeholder 4">
+            <a:extLst>
+              <a:ext uri="{FF2B5EF4-FFF2-40B4-BE49-F238E27FC236}">
+                <a16:creationId xmlns:a16="http://schemas.microsoft.com/office/drawing/2014/main" id="{AE3BAF69-D5B3-4AB6-966E-EBC7A8860CCD}"/>
+              </a:ext>
+            </a:extLst>
+          </p:cNvPr>
           <p:cNvSpPr>
             <a:spLocks noGrp="1"/>
           </p:cNvSpPr>
@@ -910,7 +837,13 @@
       </p:sp>
       <p:sp>
         <p:nvSpPr>
-          <p:cNvPr id="6" name="Slide Number Placeholder 5"/>
+          <p:cNvPr id="6" name="Slide Number Placeholder 5">
+            <a:extLst>
+              <a:ext uri="{FF2B5EF4-FFF2-40B4-BE49-F238E27FC236}">
+                <a16:creationId xmlns:a16="http://schemas.microsoft.com/office/drawing/2014/main" id="{E476ACD0-073A-4214-B702-25C5CF17B9E0}"/>
+              </a:ext>
+            </a:extLst>
+          </p:cNvPr>
           <p:cNvSpPr>
             <a:spLocks noGrp="1"/>
           </p:cNvSpPr>
@@ -931,48 +864,10 @@
           </a:p>
         </p:txBody>
       </p:sp>
-      <p:cxnSp>
-        <p:nvCxnSpPr>
-          <p:cNvPr id="9" name="Straight Connector 8"/>
-          <p:cNvCxnSpPr/>
-          <p:nvPr/>
-        </p:nvCxnSpPr>
-        <p:spPr>
-          <a:xfrm>
-            <a:off x="1207658" y="4343400"/>
-            <a:ext cx="9875520" cy="0"/>
-          </a:xfrm>
-          <a:prstGeom prst="line">
-            <a:avLst/>
-          </a:prstGeom>
-          <a:ln w="6350">
-            <a:solidFill>
-              <a:schemeClr val="tx1">
-                <a:lumMod val="50000"/>
-                <a:lumOff val="50000"/>
-              </a:schemeClr>
-            </a:solidFill>
-          </a:ln>
-        </p:spPr>
-        <p:style>
-          <a:lnRef idx="1">
-            <a:schemeClr val="accent1"/>
-          </a:lnRef>
-          <a:fillRef idx="0">
-            <a:schemeClr val="accent1"/>
-          </a:fillRef>
-          <a:effectRef idx="0">
-            <a:schemeClr val="accent1"/>
-          </a:effectRef>
-          <a:fontRef idx="minor">
-            <a:schemeClr val="tx1"/>
-          </a:fontRef>
-        </p:style>
-      </p:cxnSp>
     </p:spTree>
     <p:extLst>
       <p:ext uri="{BB962C8B-B14F-4D97-AF65-F5344CB8AC3E}">
-        <p14:creationId xmlns:p14="http://schemas.microsoft.com/office/powerpoint/2010/main" val="1939399351"/>
+        <p14:creationId xmlns:p14="http://schemas.microsoft.com/office/powerpoint/2010/main" val="3394080429"/>
       </p:ext>
     </p:extLst>
   </p:cSld>
@@ -1001,7 +896,13 @@
       </p:grpSpPr>
       <p:sp>
         <p:nvSpPr>
-          <p:cNvPr id="2" name="Title 1"/>
+          <p:cNvPr id="2" name="Title 1">
+            <a:extLst>
+              <a:ext uri="{FF2B5EF4-FFF2-40B4-BE49-F238E27FC236}">
+                <a16:creationId xmlns:a16="http://schemas.microsoft.com/office/drawing/2014/main" id="{A133C185-26E1-4F9D-A7A4-1F594BD93839}"/>
+              </a:ext>
+            </a:extLst>
+          </p:cNvPr>
           <p:cNvSpPr>
             <a:spLocks noGrp="1"/>
           </p:cNvSpPr>
@@ -1018,13 +919,18 @@
               <a:rPr lang="en-US"/>
               <a:t>Click to edit Master title style</a:t>
             </a:r>
-            <a:endParaRPr lang="en-US" dirty="0"/>
           </a:p>
         </p:txBody>
       </p:sp>
       <p:sp>
         <p:nvSpPr>
-          <p:cNvPr id="3" name="Vertical Text Placeholder 2"/>
+          <p:cNvPr id="3" name="Vertical Text Placeholder 2">
+            <a:extLst>
+              <a:ext uri="{FF2B5EF4-FFF2-40B4-BE49-F238E27FC236}">
+                <a16:creationId xmlns:a16="http://schemas.microsoft.com/office/drawing/2014/main" id="{8E70F1DD-8C75-49B6-A18F-DFB4C0999EB5}"/>
+              </a:ext>
+            </a:extLst>
+          </p:cNvPr>
           <p:cNvSpPr>
             <a:spLocks noGrp="1"/>
           </p:cNvSpPr>
@@ -1034,7 +940,7 @@
         </p:nvSpPr>
         <p:spPr/>
         <p:txBody>
-          <a:bodyPr vert="eaVert" lIns="45720" tIns="0" rIns="45720" bIns="0"/>
+          <a:bodyPr vert="eaVert"/>
           <a:lstStyle/>
           <a:p>
             <a:pPr lvl="0"/>
@@ -1070,13 +976,18 @@
               <a:rPr lang="en-US"/>
               <a:t>Fifth level</a:t>
             </a:r>
-            <a:endParaRPr lang="en-US" dirty="0"/>
           </a:p>
         </p:txBody>
       </p:sp>
       <p:sp>
         <p:nvSpPr>
-          <p:cNvPr id="4" name="Date Placeholder 3"/>
+          <p:cNvPr id="4" name="Date Placeholder 3">
+            <a:extLst>
+              <a:ext uri="{FF2B5EF4-FFF2-40B4-BE49-F238E27FC236}">
+                <a16:creationId xmlns:a16="http://schemas.microsoft.com/office/drawing/2014/main" id="{63429ED2-5C98-4049-8A5E-A6C0DA66422A}"/>
+              </a:ext>
+            </a:extLst>
+          </p:cNvPr>
           <p:cNvSpPr>
             <a:spLocks noGrp="1"/>
           </p:cNvSpPr>
@@ -1091,7 +1002,7 @@
           <a:p>
             <a:fld id="{8037BD97-F9CB-4136-94C9-564ACB7F02B2}" type="datetimeFigureOut">
               <a:rPr lang="en-US" smtClean="0"/>
-              <a:t>5/10/2021</a:t>
+              <a:t>9/8/2021</a:t>
             </a:fld>
             <a:endParaRPr lang="en-US"/>
           </a:p>
@@ -1099,7 +1010,13 @@
       </p:sp>
       <p:sp>
         <p:nvSpPr>
-          <p:cNvPr id="5" name="Footer Placeholder 4"/>
+          <p:cNvPr id="5" name="Footer Placeholder 4">
+            <a:extLst>
+              <a:ext uri="{FF2B5EF4-FFF2-40B4-BE49-F238E27FC236}">
+                <a16:creationId xmlns:a16="http://schemas.microsoft.com/office/drawing/2014/main" id="{91D75669-10CF-4ACE-B3C9-7DCB983C2242}"/>
+              </a:ext>
+            </a:extLst>
+          </p:cNvPr>
           <p:cNvSpPr>
             <a:spLocks noGrp="1"/>
           </p:cNvSpPr>
@@ -1118,7 +1035,13 @@
       </p:sp>
       <p:sp>
         <p:nvSpPr>
-          <p:cNvPr id="6" name="Slide Number Placeholder 5"/>
+          <p:cNvPr id="6" name="Slide Number Placeholder 5">
+            <a:extLst>
+              <a:ext uri="{FF2B5EF4-FFF2-40B4-BE49-F238E27FC236}">
+                <a16:creationId xmlns:a16="http://schemas.microsoft.com/office/drawing/2014/main" id="{9F8B9DF0-32CE-4781-B7C5-F19EF8CE079C}"/>
+              </a:ext>
+            </a:extLst>
+          </p:cNvPr>
           <p:cNvSpPr>
             <a:spLocks noGrp="1"/>
           </p:cNvSpPr>
@@ -1142,7 +1065,7 @@
     </p:spTree>
     <p:extLst>
       <p:ext uri="{BB962C8B-B14F-4D97-AF65-F5344CB8AC3E}">
-        <p14:creationId xmlns:p14="http://schemas.microsoft.com/office/powerpoint/2010/main" val="2181514396"/>
+        <p14:creationId xmlns:p14="http://schemas.microsoft.com/office/powerpoint/2010/main" val="1708794266"/>
       </p:ext>
     </p:extLst>
   </p:cSld>
@@ -1153,7 +1076,7 @@
 </file>
 
 <file path=ppt/slideLayouts/slideLayout11.xml><?xml version="1.0" encoding="utf-8"?>
-<p:sldLayout xmlns:a="http://schemas.openxmlformats.org/drawingml/2006/main" xmlns:r="http://schemas.openxmlformats.org/officeDocument/2006/relationships" xmlns:p="http://schemas.openxmlformats.org/presentationml/2006/main" showMasterSp="0" type="vertTitleAndTx" preserve="1">
+<p:sldLayout xmlns:a="http://schemas.openxmlformats.org/drawingml/2006/main" xmlns:r="http://schemas.openxmlformats.org/officeDocument/2006/relationships" xmlns:p="http://schemas.openxmlformats.org/presentationml/2006/main" type="vertTitleAndTx" preserve="1">
   <p:cSld name="Vertical Title and Text">
     <p:spTree>
       <p:nvGrpSpPr>
@@ -1171,83 +1094,13 @@
       </p:grpSpPr>
       <p:sp>
         <p:nvSpPr>
-          <p:cNvPr id="7" name="Rectangle 6"/>
-          <p:cNvSpPr/>
-          <p:nvPr/>
-        </p:nvSpPr>
-        <p:spPr>
-          <a:xfrm>
-            <a:off x="3175" y="6400800"/>
-            <a:ext cx="12188825" cy="457200"/>
-          </a:xfrm>
-          <a:prstGeom prst="rect">
-            <a:avLst/>
-          </a:prstGeom>
-          <a:solidFill>
-            <a:schemeClr val="accent2"/>
-          </a:solidFill>
-          <a:ln>
-            <a:noFill/>
-          </a:ln>
-        </p:spPr>
-        <p:style>
-          <a:lnRef idx="2">
-            <a:schemeClr val="accent1">
-              <a:shade val="50000"/>
-            </a:schemeClr>
-          </a:lnRef>
-          <a:fillRef idx="1">
-            <a:schemeClr val="accent1"/>
-          </a:fillRef>
-          <a:effectRef idx="0">
-            <a:schemeClr val="accent1"/>
-          </a:effectRef>
-          <a:fontRef idx="minor">
-            <a:schemeClr val="lt1"/>
-          </a:fontRef>
-        </p:style>
-      </p:sp>
-      <p:sp>
-        <p:nvSpPr>
-          <p:cNvPr id="8" name="Rectangle 7"/>
-          <p:cNvSpPr/>
-          <p:nvPr/>
-        </p:nvSpPr>
-        <p:spPr>
-          <a:xfrm>
-            <a:off x="15" y="6334316"/>
-            <a:ext cx="12188825" cy="64008"/>
-          </a:xfrm>
-          <a:prstGeom prst="rect">
-            <a:avLst/>
-          </a:prstGeom>
-          <a:solidFill>
-            <a:schemeClr val="accent1"/>
-          </a:solidFill>
-          <a:ln>
-            <a:noFill/>
-          </a:ln>
-        </p:spPr>
-        <p:style>
-          <a:lnRef idx="2">
-            <a:schemeClr val="accent1">
-              <a:shade val="50000"/>
-            </a:schemeClr>
-          </a:lnRef>
-          <a:fillRef idx="1">
-            <a:schemeClr val="accent1"/>
-          </a:fillRef>
-          <a:effectRef idx="0">
-            <a:schemeClr val="accent1"/>
-          </a:effectRef>
-          <a:fontRef idx="minor">
-            <a:schemeClr val="lt1"/>
-          </a:fontRef>
-        </p:style>
-      </p:sp>
-      <p:sp>
-        <p:nvSpPr>
-          <p:cNvPr id="2" name="Vertical Title 1"/>
+          <p:cNvPr id="2" name="Vertical Title 1">
+            <a:extLst>
+              <a:ext uri="{FF2B5EF4-FFF2-40B4-BE49-F238E27FC236}">
+                <a16:creationId xmlns:a16="http://schemas.microsoft.com/office/drawing/2014/main" id="{3319B0CC-0DA0-4467-BF91-948D7698FFEF}"/>
+              </a:ext>
+            </a:extLst>
+          </p:cNvPr>
           <p:cNvSpPr>
             <a:spLocks noGrp="1"/>
           </p:cNvSpPr>
@@ -1257,8 +1110,8 @@
         </p:nvSpPr>
         <p:spPr>
           <a:xfrm>
-            <a:off x="8724900" y="414778"/>
-            <a:ext cx="2628900" cy="5757421"/>
+            <a:off x="8724900" y="365125"/>
+            <a:ext cx="2628900" cy="5811838"/>
           </a:xfrm>
         </p:spPr>
         <p:txBody>
@@ -1269,13 +1122,18 @@
               <a:rPr lang="en-US"/>
               <a:t>Click to edit Master title style</a:t>
             </a:r>
-            <a:endParaRPr lang="en-US" dirty="0"/>
           </a:p>
         </p:txBody>
       </p:sp>
       <p:sp>
         <p:nvSpPr>
-          <p:cNvPr id="3" name="Vertical Text Placeholder 2"/>
+          <p:cNvPr id="3" name="Vertical Text Placeholder 2">
+            <a:extLst>
+              <a:ext uri="{FF2B5EF4-FFF2-40B4-BE49-F238E27FC236}">
+                <a16:creationId xmlns:a16="http://schemas.microsoft.com/office/drawing/2014/main" id="{9BFC03C7-591A-43F9-9C96-6EEA40E8001D}"/>
+              </a:ext>
+            </a:extLst>
+          </p:cNvPr>
           <p:cNvSpPr>
             <a:spLocks noGrp="1"/>
           </p:cNvSpPr>
@@ -1285,12 +1143,12 @@
         </p:nvSpPr>
         <p:spPr>
           <a:xfrm>
-            <a:off x="838200" y="414778"/>
-            <a:ext cx="7734300" cy="5757422"/>
+            <a:off x="838200" y="365125"/>
+            <a:ext cx="7734300" cy="5811838"/>
           </a:xfrm>
         </p:spPr>
         <p:txBody>
-          <a:bodyPr vert="eaVert" lIns="45720" tIns="0" rIns="45720" bIns="0"/>
+          <a:bodyPr vert="eaVert"/>
           <a:lstStyle/>
           <a:p>
             <a:pPr lvl="0"/>
@@ -1326,13 +1184,18 @@
               <a:rPr lang="en-US"/>
               <a:t>Fifth level</a:t>
             </a:r>
-            <a:endParaRPr lang="en-US" dirty="0"/>
           </a:p>
         </p:txBody>
       </p:sp>
       <p:sp>
         <p:nvSpPr>
-          <p:cNvPr id="4" name="Date Placeholder 3"/>
+          <p:cNvPr id="4" name="Date Placeholder 3">
+            <a:extLst>
+              <a:ext uri="{FF2B5EF4-FFF2-40B4-BE49-F238E27FC236}">
+                <a16:creationId xmlns:a16="http://schemas.microsoft.com/office/drawing/2014/main" id="{5DCEA450-15CF-471F-9391-3E112729CF23}"/>
+              </a:ext>
+            </a:extLst>
+          </p:cNvPr>
           <p:cNvSpPr>
             <a:spLocks noGrp="1"/>
           </p:cNvSpPr>
@@ -1347,7 +1210,7 @@
           <a:p>
             <a:fld id="{8037BD97-F9CB-4136-94C9-564ACB7F02B2}" type="datetimeFigureOut">
               <a:rPr lang="en-US" smtClean="0"/>
-              <a:t>5/10/2021</a:t>
+              <a:t>9/8/2021</a:t>
             </a:fld>
             <a:endParaRPr lang="en-US"/>
           </a:p>
@@ -1355,7 +1218,13 @@
       </p:sp>
       <p:sp>
         <p:nvSpPr>
-          <p:cNvPr id="5" name="Footer Placeholder 4"/>
+          <p:cNvPr id="5" name="Footer Placeholder 4">
+            <a:extLst>
+              <a:ext uri="{FF2B5EF4-FFF2-40B4-BE49-F238E27FC236}">
+                <a16:creationId xmlns:a16="http://schemas.microsoft.com/office/drawing/2014/main" id="{5F3CC424-06A4-4BB8-BB7B-9E267708DFD7}"/>
+              </a:ext>
+            </a:extLst>
+          </p:cNvPr>
           <p:cNvSpPr>
             <a:spLocks noGrp="1"/>
           </p:cNvSpPr>
@@ -1374,7 +1243,13 @@
       </p:sp>
       <p:sp>
         <p:nvSpPr>
-          <p:cNvPr id="6" name="Slide Number Placeholder 5"/>
+          <p:cNvPr id="6" name="Slide Number Placeholder 5">
+            <a:extLst>
+              <a:ext uri="{FF2B5EF4-FFF2-40B4-BE49-F238E27FC236}">
+                <a16:creationId xmlns:a16="http://schemas.microsoft.com/office/drawing/2014/main" id="{690B9B43-DE9C-4BD0-ACDA-6B35F4E136A1}"/>
+              </a:ext>
+            </a:extLst>
+          </p:cNvPr>
           <p:cNvSpPr>
             <a:spLocks noGrp="1"/>
           </p:cNvSpPr>
@@ -1398,7 +1273,7 @@
     </p:spTree>
     <p:extLst>
       <p:ext uri="{BB962C8B-B14F-4D97-AF65-F5344CB8AC3E}">
-        <p14:creationId xmlns:p14="http://schemas.microsoft.com/office/powerpoint/2010/main" val="377323740"/>
+        <p14:creationId xmlns:p14="http://schemas.microsoft.com/office/powerpoint/2010/main" val="1389383949"/>
       </p:ext>
     </p:extLst>
   </p:cSld>
@@ -1427,7 +1302,13 @@
       </p:grpSpPr>
       <p:sp>
         <p:nvSpPr>
-          <p:cNvPr id="2" name="Title 1"/>
+          <p:cNvPr id="2" name="Title 1">
+            <a:extLst>
+              <a:ext uri="{FF2B5EF4-FFF2-40B4-BE49-F238E27FC236}">
+                <a16:creationId xmlns:a16="http://schemas.microsoft.com/office/drawing/2014/main" id="{FC99E0D8-536D-48B0-A844-D554E9ABDF7E}"/>
+              </a:ext>
+            </a:extLst>
+          </p:cNvPr>
           <p:cNvSpPr>
             <a:spLocks noGrp="1"/>
           </p:cNvSpPr>
@@ -1438,23 +1319,24 @@
         <p:spPr/>
         <p:txBody>
           <a:bodyPr/>
-          <a:lstStyle>
-            <a:lvl1pPr marL="0">
-              <a:defRPr/>
-            </a:lvl1pPr>
-          </a:lstStyle>
+          <a:lstStyle/>
           <a:p>
             <a:r>
               <a:rPr lang="en-US"/>
               <a:t>Click to edit Master title style</a:t>
             </a:r>
-            <a:endParaRPr lang="en-US" dirty="0"/>
           </a:p>
         </p:txBody>
       </p:sp>
       <p:sp>
         <p:nvSpPr>
-          <p:cNvPr id="3" name="Content Placeholder 2"/>
+          <p:cNvPr id="3" name="Content Placeholder 2">
+            <a:extLst>
+              <a:ext uri="{FF2B5EF4-FFF2-40B4-BE49-F238E27FC236}">
+                <a16:creationId xmlns:a16="http://schemas.microsoft.com/office/drawing/2014/main" id="{BCD8FE1E-CB7E-4DA1-9131-2D593B4512AE}"/>
+              </a:ext>
+            </a:extLst>
+          </p:cNvPr>
           <p:cNvSpPr>
             <a:spLocks noGrp="1"/>
           </p:cNvSpPr>
@@ -1500,13 +1382,18 @@
               <a:rPr lang="en-US"/>
               <a:t>Fifth level</a:t>
             </a:r>
-            <a:endParaRPr lang="en-US" dirty="0"/>
           </a:p>
         </p:txBody>
       </p:sp>
       <p:sp>
         <p:nvSpPr>
-          <p:cNvPr id="4" name="Date Placeholder 3"/>
+          <p:cNvPr id="4" name="Date Placeholder 3">
+            <a:extLst>
+              <a:ext uri="{FF2B5EF4-FFF2-40B4-BE49-F238E27FC236}">
+                <a16:creationId xmlns:a16="http://schemas.microsoft.com/office/drawing/2014/main" id="{18DF0DE9-A1E8-43CD-9333-D989EDB4E797}"/>
+              </a:ext>
+            </a:extLst>
+          </p:cNvPr>
           <p:cNvSpPr>
             <a:spLocks noGrp="1"/>
           </p:cNvSpPr>
@@ -1521,7 +1408,7 @@
           <a:p>
             <a:fld id="{8037BD97-F9CB-4136-94C9-564ACB7F02B2}" type="datetimeFigureOut">
               <a:rPr lang="en-US" smtClean="0"/>
-              <a:t>5/10/2021</a:t>
+              <a:t>9/8/2021</a:t>
             </a:fld>
             <a:endParaRPr lang="en-US"/>
           </a:p>
@@ -1529,7 +1416,13 @@
       </p:sp>
       <p:sp>
         <p:nvSpPr>
-          <p:cNvPr id="5" name="Footer Placeholder 4"/>
+          <p:cNvPr id="5" name="Footer Placeholder 4">
+            <a:extLst>
+              <a:ext uri="{FF2B5EF4-FFF2-40B4-BE49-F238E27FC236}">
+                <a16:creationId xmlns:a16="http://schemas.microsoft.com/office/drawing/2014/main" id="{9DD157A5-A336-4312-B02C-B005828A86D5}"/>
+              </a:ext>
+            </a:extLst>
+          </p:cNvPr>
           <p:cNvSpPr>
             <a:spLocks noGrp="1"/>
           </p:cNvSpPr>
@@ -1548,7 +1441,13 @@
       </p:sp>
       <p:sp>
         <p:nvSpPr>
-          <p:cNvPr id="6" name="Slide Number Placeholder 5"/>
+          <p:cNvPr id="6" name="Slide Number Placeholder 5">
+            <a:extLst>
+              <a:ext uri="{FF2B5EF4-FFF2-40B4-BE49-F238E27FC236}">
+                <a16:creationId xmlns:a16="http://schemas.microsoft.com/office/drawing/2014/main" id="{B6ABE708-F49F-4CCF-AC32-237D722944AA}"/>
+              </a:ext>
+            </a:extLst>
+          </p:cNvPr>
           <p:cNvSpPr>
             <a:spLocks noGrp="1"/>
           </p:cNvSpPr>
@@ -1572,7 +1471,7 @@
     </p:spTree>
     <p:extLst>
       <p:ext uri="{BB962C8B-B14F-4D97-AF65-F5344CB8AC3E}">
-        <p14:creationId xmlns:p14="http://schemas.microsoft.com/office/powerpoint/2010/main" val="1561108077"/>
+        <p14:creationId xmlns:p14="http://schemas.microsoft.com/office/powerpoint/2010/main" val="1170847489"/>
       </p:ext>
     </p:extLst>
   </p:cSld>
@@ -1583,16 +1482,8 @@
 </file>
 
 <file path=ppt/slideLayouts/slideLayout3.xml><?xml version="1.0" encoding="utf-8"?>
-<p:sldLayout xmlns:a="http://schemas.openxmlformats.org/drawingml/2006/main" xmlns:r="http://schemas.openxmlformats.org/officeDocument/2006/relationships" xmlns:p="http://schemas.openxmlformats.org/presentationml/2006/main" showMasterSp="0" type="secHead" preserve="1">
+<p:sldLayout xmlns:a="http://schemas.openxmlformats.org/drawingml/2006/main" xmlns:r="http://schemas.openxmlformats.org/officeDocument/2006/relationships" xmlns:p="http://schemas.openxmlformats.org/presentationml/2006/main" type="secHead" preserve="1">
   <p:cSld name="Section Header">
-    <p:bg>
-      <p:bgPr>
-        <a:solidFill>
-          <a:schemeClr val="bg1"/>
-        </a:solidFill>
-        <a:effectLst/>
-      </p:bgPr>
-    </p:bg>
     <p:spTree>
       <p:nvGrpSpPr>
         <p:cNvPr id="1" name=""/>
@@ -1609,83 +1500,13 @@
       </p:grpSpPr>
       <p:sp>
         <p:nvSpPr>
-          <p:cNvPr id="7" name="Rectangle 6"/>
-          <p:cNvSpPr/>
-          <p:nvPr/>
-        </p:nvSpPr>
-        <p:spPr>
-          <a:xfrm>
-            <a:off x="3175" y="6400800"/>
-            <a:ext cx="12188825" cy="457200"/>
-          </a:xfrm>
-          <a:prstGeom prst="rect">
-            <a:avLst/>
-          </a:prstGeom>
-          <a:solidFill>
-            <a:schemeClr val="accent2"/>
-          </a:solidFill>
-          <a:ln>
-            <a:noFill/>
-          </a:ln>
-        </p:spPr>
-        <p:style>
-          <a:lnRef idx="2">
-            <a:schemeClr val="accent1">
-              <a:shade val="50000"/>
-            </a:schemeClr>
-          </a:lnRef>
-          <a:fillRef idx="1">
-            <a:schemeClr val="accent1"/>
-          </a:fillRef>
-          <a:effectRef idx="0">
-            <a:schemeClr val="accent1"/>
-          </a:effectRef>
-          <a:fontRef idx="minor">
-            <a:schemeClr val="lt1"/>
-          </a:fontRef>
-        </p:style>
-      </p:sp>
-      <p:sp>
-        <p:nvSpPr>
-          <p:cNvPr id="8" name="Rectangle 7"/>
-          <p:cNvSpPr/>
-          <p:nvPr/>
-        </p:nvSpPr>
-        <p:spPr>
-          <a:xfrm>
-            <a:off x="15" y="6334316"/>
-            <a:ext cx="12188825" cy="64008"/>
-          </a:xfrm>
-          <a:prstGeom prst="rect">
-            <a:avLst/>
-          </a:prstGeom>
-          <a:solidFill>
-            <a:schemeClr val="accent1"/>
-          </a:solidFill>
-          <a:ln>
-            <a:noFill/>
-          </a:ln>
-        </p:spPr>
-        <p:style>
-          <a:lnRef idx="2">
-            <a:schemeClr val="accent1">
-              <a:shade val="50000"/>
-            </a:schemeClr>
-          </a:lnRef>
-          <a:fillRef idx="1">
-            <a:schemeClr val="accent1"/>
-          </a:fillRef>
-          <a:effectRef idx="0">
-            <a:schemeClr val="accent1"/>
-          </a:effectRef>
-          <a:fontRef idx="minor">
-            <a:schemeClr val="lt1"/>
-          </a:fontRef>
-        </p:style>
-      </p:sp>
-      <p:sp>
-        <p:nvSpPr>
-          <p:cNvPr id="2" name="Title 1"/>
+          <p:cNvPr id="2" name="Title 1">
+            <a:extLst>
+              <a:ext uri="{FF2B5EF4-FFF2-40B4-BE49-F238E27FC236}">
+                <a16:creationId xmlns:a16="http://schemas.microsoft.com/office/drawing/2014/main" id="{80FE5627-364A-4AC3-A891-06639F719A34}"/>
+              </a:ext>
+            </a:extLst>
+          </p:cNvPr>
           <p:cNvSpPr>
             <a:spLocks noGrp="1"/>
           </p:cNvSpPr>
@@ -1695,27 +1516,15 @@
         </p:nvSpPr>
         <p:spPr>
           <a:xfrm>
-            <a:off x="1097280" y="758952"/>
-            <a:ext cx="10058400" cy="3566160"/>
+            <a:off x="831850" y="1709738"/>
+            <a:ext cx="10515600" cy="2852737"/>
           </a:xfrm>
         </p:spPr>
         <p:txBody>
-          <a:bodyPr anchor="b" anchorCtr="0">
-            <a:normAutofit/>
-          </a:bodyPr>
+          <a:bodyPr anchor="b"/>
           <a:lstStyle>
             <a:lvl1pPr>
-              <a:lnSpc>
-                <a:spcPct val="85000"/>
-              </a:lnSpc>
-              <a:defRPr sz="8000" b="0">
-                <a:solidFill>
-                  <a:schemeClr val="tx1">
-                    <a:lumMod val="85000"/>
-                    <a:lumOff val="15000"/>
-                  </a:schemeClr>
-                </a:solidFill>
-              </a:defRPr>
+              <a:defRPr sz="6000"/>
             </a:lvl1pPr>
           </a:lstStyle>
           <a:p>
@@ -1723,13 +1532,18 @@
               <a:rPr lang="en-US"/>
               <a:t>Click to edit Master title style</a:t>
             </a:r>
-            <a:endParaRPr lang="en-US" dirty="0"/>
           </a:p>
         </p:txBody>
       </p:sp>
       <p:sp>
         <p:nvSpPr>
-          <p:cNvPr id="3" name="Text Placeholder 2"/>
+          <p:cNvPr id="3" name="Text Placeholder 2">
+            <a:extLst>
+              <a:ext uri="{FF2B5EF4-FFF2-40B4-BE49-F238E27FC236}">
+                <a16:creationId xmlns:a16="http://schemas.microsoft.com/office/drawing/2014/main" id="{6D357EB1-3F76-460C-864E-78B57287923B}"/>
+              </a:ext>
+            </a:extLst>
+          </p:cNvPr>
           <p:cNvSpPr>
             <a:spLocks noGrp="1"/>
           </p:cNvSpPr>
@@ -1739,27 +1553,26 @@
         </p:nvSpPr>
         <p:spPr>
           <a:xfrm>
-            <a:off x="1097280" y="4453128"/>
-            <a:ext cx="10058400" cy="1143000"/>
+            <a:off x="831850" y="4589463"/>
+            <a:ext cx="10515600" cy="1500187"/>
           </a:xfrm>
         </p:spPr>
         <p:txBody>
-          <a:bodyPr lIns="91440" rIns="91440" anchor="t" anchorCtr="0">
-            <a:normAutofit/>
-          </a:bodyPr>
+          <a:bodyPr/>
           <a:lstStyle>
             <a:lvl1pPr marL="0" indent="0">
               <a:buNone/>
-              <a:defRPr sz="2400" cap="all" spc="200" baseline="0">
+              <a:defRPr sz="2400">
                 <a:solidFill>
-                  <a:schemeClr val="tx2"/>
+                  <a:schemeClr val="tx1">
+                    <a:tint val="75000"/>
+                  </a:schemeClr>
                 </a:solidFill>
-                <a:latin typeface="+mj-lt"/>
               </a:defRPr>
             </a:lvl1pPr>
             <a:lvl2pPr marL="457200" indent="0">
               <a:buNone/>
-              <a:defRPr sz="1800">
+              <a:defRPr sz="2000">
                 <a:solidFill>
                   <a:schemeClr val="tx1">
                     <a:tint val="75000"/>
@@ -1769,7 +1582,7 @@
             </a:lvl2pPr>
             <a:lvl3pPr marL="914400" indent="0">
               <a:buNone/>
-              <a:defRPr sz="1600">
+              <a:defRPr sz="1800">
                 <a:solidFill>
                   <a:schemeClr val="tx1">
                     <a:tint val="75000"/>
@@ -1779,7 +1592,7 @@
             </a:lvl3pPr>
             <a:lvl4pPr marL="1371600" indent="0">
               <a:buNone/>
-              <a:defRPr sz="1400">
+              <a:defRPr sz="1600">
                 <a:solidFill>
                   <a:schemeClr val="tx1">
                     <a:tint val="75000"/>
@@ -1789,7 +1602,7 @@
             </a:lvl4pPr>
             <a:lvl5pPr marL="1828800" indent="0">
               <a:buNone/>
-              <a:defRPr sz="1400">
+              <a:defRPr sz="1600">
                 <a:solidFill>
                   <a:schemeClr val="tx1">
                     <a:tint val="75000"/>
@@ -1799,7 +1612,7 @@
             </a:lvl5pPr>
             <a:lvl6pPr marL="2286000" indent="0">
               <a:buNone/>
-              <a:defRPr sz="1400">
+              <a:defRPr sz="1600">
                 <a:solidFill>
                   <a:schemeClr val="tx1">
                     <a:tint val="75000"/>
@@ -1809,7 +1622,7 @@
             </a:lvl6pPr>
             <a:lvl7pPr marL="2743200" indent="0">
               <a:buNone/>
-              <a:defRPr sz="1400">
+              <a:defRPr sz="1600">
                 <a:solidFill>
                   <a:schemeClr val="tx1">
                     <a:tint val="75000"/>
@@ -1819,7 +1632,7 @@
             </a:lvl7pPr>
             <a:lvl8pPr marL="3200400" indent="0">
               <a:buNone/>
-              <a:defRPr sz="1400">
+              <a:defRPr sz="1600">
                 <a:solidFill>
                   <a:schemeClr val="tx1">
                     <a:tint val="75000"/>
@@ -1829,7 +1642,7 @@
             </a:lvl8pPr>
             <a:lvl9pPr marL="3657600" indent="0">
               <a:buNone/>
-              <a:defRPr sz="1400">
+              <a:defRPr sz="1600">
                 <a:solidFill>
                   <a:schemeClr val="tx1">
                     <a:tint val="75000"/>
@@ -1849,7 +1662,13 @@
       </p:sp>
       <p:sp>
         <p:nvSpPr>
-          <p:cNvPr id="4" name="Date Placeholder 3"/>
+          <p:cNvPr id="4" name="Date Placeholder 3">
+            <a:extLst>
+              <a:ext uri="{FF2B5EF4-FFF2-40B4-BE49-F238E27FC236}">
+                <a16:creationId xmlns:a16="http://schemas.microsoft.com/office/drawing/2014/main" id="{16ABC2B9-2FEF-4348-8643-7B186D0D47D3}"/>
+              </a:ext>
+            </a:extLst>
+          </p:cNvPr>
           <p:cNvSpPr>
             <a:spLocks noGrp="1"/>
           </p:cNvSpPr>
@@ -1864,7 +1683,7 @@
           <a:p>
             <a:fld id="{8037BD97-F9CB-4136-94C9-564ACB7F02B2}" type="datetimeFigureOut">
               <a:rPr lang="en-US" smtClean="0"/>
-              <a:t>5/10/2021</a:t>
+              <a:t>9/8/2021</a:t>
             </a:fld>
             <a:endParaRPr lang="en-US"/>
           </a:p>
@@ -1872,7 +1691,13 @@
       </p:sp>
       <p:sp>
         <p:nvSpPr>
-          <p:cNvPr id="5" name="Footer Placeholder 4"/>
+          <p:cNvPr id="5" name="Footer Placeholder 4">
+            <a:extLst>
+              <a:ext uri="{FF2B5EF4-FFF2-40B4-BE49-F238E27FC236}">
+                <a16:creationId xmlns:a16="http://schemas.microsoft.com/office/drawing/2014/main" id="{441263A4-1CAC-4C21-9E9E-003AC44E56FF}"/>
+              </a:ext>
+            </a:extLst>
+          </p:cNvPr>
           <p:cNvSpPr>
             <a:spLocks noGrp="1"/>
           </p:cNvSpPr>
@@ -1891,7 +1716,13 @@
       </p:sp>
       <p:sp>
         <p:nvSpPr>
-          <p:cNvPr id="6" name="Slide Number Placeholder 5"/>
+          <p:cNvPr id="6" name="Slide Number Placeholder 5">
+            <a:extLst>
+              <a:ext uri="{FF2B5EF4-FFF2-40B4-BE49-F238E27FC236}">
+                <a16:creationId xmlns:a16="http://schemas.microsoft.com/office/drawing/2014/main" id="{7AA4CDA9-621C-4DCC-A47E-08FAAD19871B}"/>
+              </a:ext>
+            </a:extLst>
+          </p:cNvPr>
           <p:cNvSpPr>
             <a:spLocks noGrp="1"/>
           </p:cNvSpPr>
@@ -1912,48 +1743,10 @@
           </a:p>
         </p:txBody>
       </p:sp>
-      <p:cxnSp>
-        <p:nvCxnSpPr>
-          <p:cNvPr id="9" name="Straight Connector 8"/>
-          <p:cNvCxnSpPr/>
-          <p:nvPr/>
-        </p:nvCxnSpPr>
-        <p:spPr>
-          <a:xfrm>
-            <a:off x="1207658" y="4343400"/>
-            <a:ext cx="9875520" cy="0"/>
-          </a:xfrm>
-          <a:prstGeom prst="line">
-            <a:avLst/>
-          </a:prstGeom>
-          <a:ln w="6350">
-            <a:solidFill>
-              <a:schemeClr val="tx1">
-                <a:lumMod val="50000"/>
-                <a:lumOff val="50000"/>
-              </a:schemeClr>
-            </a:solidFill>
-          </a:ln>
-        </p:spPr>
-        <p:style>
-          <a:lnRef idx="1">
-            <a:schemeClr val="accent1"/>
-          </a:lnRef>
-          <a:fillRef idx="0">
-            <a:schemeClr val="accent1"/>
-          </a:fillRef>
-          <a:effectRef idx="0">
-            <a:schemeClr val="accent1"/>
-          </a:effectRef>
-          <a:fontRef idx="minor">
-            <a:schemeClr val="tx1"/>
-          </a:fontRef>
-        </p:style>
-      </p:cxnSp>
     </p:spTree>
     <p:extLst>
       <p:ext uri="{BB962C8B-B14F-4D97-AF65-F5344CB8AC3E}">
-        <p14:creationId xmlns:p14="http://schemas.microsoft.com/office/powerpoint/2010/main" val="270307798"/>
+        <p14:creationId xmlns:p14="http://schemas.microsoft.com/office/powerpoint/2010/main" val="2478061470"/>
       </p:ext>
     </p:extLst>
   </p:cSld>
@@ -1982,7 +1775,13 @@
       </p:grpSpPr>
       <p:sp>
         <p:nvSpPr>
-          <p:cNvPr id="8" name="Title 7"/>
+          <p:cNvPr id="2" name="Title 1">
+            <a:extLst>
+              <a:ext uri="{FF2B5EF4-FFF2-40B4-BE49-F238E27FC236}">
+                <a16:creationId xmlns:a16="http://schemas.microsoft.com/office/drawing/2014/main" id="{53858387-81F0-498E-81D3-FB90921473A6}"/>
+              </a:ext>
+            </a:extLst>
+          </p:cNvPr>
           <p:cNvSpPr>
             <a:spLocks noGrp="1"/>
           </p:cNvSpPr>
@@ -1990,12 +1789,7 @@
             <p:ph type="title"/>
           </p:nvPr>
         </p:nvSpPr>
-        <p:spPr>
-          <a:xfrm>
-            <a:off x="1097280" y="286603"/>
-            <a:ext cx="10058400" cy="1450757"/>
-          </a:xfrm>
-        </p:spPr>
+        <p:spPr/>
         <p:txBody>
           <a:bodyPr/>
           <a:lstStyle/>
@@ -2004,13 +1798,18 @@
               <a:rPr lang="en-US"/>
               <a:t>Click to edit Master title style</a:t>
             </a:r>
-            <a:endParaRPr lang="en-US" dirty="0"/>
           </a:p>
         </p:txBody>
       </p:sp>
       <p:sp>
         <p:nvSpPr>
-          <p:cNvPr id="3" name="Content Placeholder 2"/>
+          <p:cNvPr id="3" name="Content Placeholder 2">
+            <a:extLst>
+              <a:ext uri="{FF2B5EF4-FFF2-40B4-BE49-F238E27FC236}">
+                <a16:creationId xmlns:a16="http://schemas.microsoft.com/office/drawing/2014/main" id="{C61905CB-D75C-43FE-B489-9D0A3C438BEF}"/>
+              </a:ext>
+            </a:extLst>
+          </p:cNvPr>
           <p:cNvSpPr>
             <a:spLocks noGrp="1"/>
           </p:cNvSpPr>
@@ -2020,8 +1819,8 @@
         </p:nvSpPr>
         <p:spPr>
           <a:xfrm>
-            <a:off x="1097279" y="1845734"/>
-            <a:ext cx="4937760" cy="4023360"/>
+            <a:off x="838200" y="1825625"/>
+            <a:ext cx="5181600" cy="4351338"/>
           </a:xfrm>
         </p:spPr>
         <p:txBody>
@@ -2061,13 +1860,18 @@
               <a:rPr lang="en-US"/>
               <a:t>Fifth level</a:t>
             </a:r>
-            <a:endParaRPr lang="en-US" dirty="0"/>
           </a:p>
         </p:txBody>
       </p:sp>
       <p:sp>
         <p:nvSpPr>
-          <p:cNvPr id="4" name="Content Placeholder 3"/>
+          <p:cNvPr id="4" name="Content Placeholder 3">
+            <a:extLst>
+              <a:ext uri="{FF2B5EF4-FFF2-40B4-BE49-F238E27FC236}">
+                <a16:creationId xmlns:a16="http://schemas.microsoft.com/office/drawing/2014/main" id="{7D85C360-E562-41B7-B6C2-F4BC43847B8F}"/>
+              </a:ext>
+            </a:extLst>
+          </p:cNvPr>
           <p:cNvSpPr>
             <a:spLocks noGrp="1"/>
           </p:cNvSpPr>
@@ -2077,8 +1881,8 @@
         </p:nvSpPr>
         <p:spPr>
           <a:xfrm>
-            <a:off x="6217920" y="1845735"/>
-            <a:ext cx="4937760" cy="4023360"/>
+            <a:off x="6172200" y="1825625"/>
+            <a:ext cx="5181600" cy="4351338"/>
           </a:xfrm>
         </p:spPr>
         <p:txBody>
@@ -2118,13 +1922,18 @@
               <a:rPr lang="en-US"/>
               <a:t>Fifth level</a:t>
             </a:r>
-            <a:endParaRPr lang="en-US" dirty="0"/>
           </a:p>
         </p:txBody>
       </p:sp>
       <p:sp>
         <p:nvSpPr>
-          <p:cNvPr id="5" name="Date Placeholder 4"/>
+          <p:cNvPr id="5" name="Date Placeholder 4">
+            <a:extLst>
+              <a:ext uri="{FF2B5EF4-FFF2-40B4-BE49-F238E27FC236}">
+                <a16:creationId xmlns:a16="http://schemas.microsoft.com/office/drawing/2014/main" id="{45E183FB-4284-43B1-B2A2-2931672157C8}"/>
+              </a:ext>
+            </a:extLst>
+          </p:cNvPr>
           <p:cNvSpPr>
             <a:spLocks noGrp="1"/>
           </p:cNvSpPr>
@@ -2139,7 +1948,7 @@
           <a:p>
             <a:fld id="{8037BD97-F9CB-4136-94C9-564ACB7F02B2}" type="datetimeFigureOut">
               <a:rPr lang="en-US" smtClean="0"/>
-              <a:t>5/10/2021</a:t>
+              <a:t>9/8/2021</a:t>
             </a:fld>
             <a:endParaRPr lang="en-US"/>
           </a:p>
@@ -2147,7 +1956,13 @@
       </p:sp>
       <p:sp>
         <p:nvSpPr>
-          <p:cNvPr id="6" name="Footer Placeholder 5"/>
+          <p:cNvPr id="6" name="Footer Placeholder 5">
+            <a:extLst>
+              <a:ext uri="{FF2B5EF4-FFF2-40B4-BE49-F238E27FC236}">
+                <a16:creationId xmlns:a16="http://schemas.microsoft.com/office/drawing/2014/main" id="{88E8421B-8FC6-4343-86D2-442A050B5482}"/>
+              </a:ext>
+            </a:extLst>
+          </p:cNvPr>
           <p:cNvSpPr>
             <a:spLocks noGrp="1"/>
           </p:cNvSpPr>
@@ -2166,7 +1981,13 @@
       </p:sp>
       <p:sp>
         <p:nvSpPr>
-          <p:cNvPr id="7" name="Slide Number Placeholder 6"/>
+          <p:cNvPr id="7" name="Slide Number Placeholder 6">
+            <a:extLst>
+              <a:ext uri="{FF2B5EF4-FFF2-40B4-BE49-F238E27FC236}">
+                <a16:creationId xmlns:a16="http://schemas.microsoft.com/office/drawing/2014/main" id="{F4BB1A34-2ADD-41BD-AC1E-D51AFC95919E}"/>
+              </a:ext>
+            </a:extLst>
+          </p:cNvPr>
           <p:cNvSpPr>
             <a:spLocks noGrp="1"/>
           </p:cNvSpPr>
@@ -2190,7 +2011,7 @@
     </p:spTree>
     <p:extLst>
       <p:ext uri="{BB962C8B-B14F-4D97-AF65-F5344CB8AC3E}">
-        <p14:creationId xmlns:p14="http://schemas.microsoft.com/office/powerpoint/2010/main" val="332950276"/>
+        <p14:creationId xmlns:p14="http://schemas.microsoft.com/office/powerpoint/2010/main" val="4087445876"/>
       </p:ext>
     </p:extLst>
   </p:cSld>
@@ -2219,7 +2040,13 @@
       </p:grpSpPr>
       <p:sp>
         <p:nvSpPr>
-          <p:cNvPr id="10" name="Title 9"/>
+          <p:cNvPr id="2" name="Title 1">
+            <a:extLst>
+              <a:ext uri="{FF2B5EF4-FFF2-40B4-BE49-F238E27FC236}">
+                <a16:creationId xmlns:a16="http://schemas.microsoft.com/office/drawing/2014/main" id="{472053D6-679C-4042-B037-DA549B0D67E5}"/>
+              </a:ext>
+            </a:extLst>
+          </p:cNvPr>
           <p:cNvSpPr>
             <a:spLocks noGrp="1"/>
           </p:cNvSpPr>
@@ -2229,8 +2056,8 @@
         </p:nvSpPr>
         <p:spPr>
           <a:xfrm>
-            <a:off x="1097280" y="286603"/>
-            <a:ext cx="10058400" cy="1450757"/>
+            <a:off x="839788" y="365125"/>
+            <a:ext cx="10515600" cy="1325563"/>
           </a:xfrm>
         </p:spPr>
         <p:txBody>
@@ -2241,13 +2068,18 @@
               <a:rPr lang="en-US"/>
               <a:t>Click to edit Master title style</a:t>
             </a:r>
-            <a:endParaRPr lang="en-US" dirty="0"/>
           </a:p>
         </p:txBody>
       </p:sp>
       <p:sp>
         <p:nvSpPr>
-          <p:cNvPr id="3" name="Text Placeholder 2"/>
+          <p:cNvPr id="3" name="Text Placeholder 2">
+            <a:extLst>
+              <a:ext uri="{FF2B5EF4-FFF2-40B4-BE49-F238E27FC236}">
+                <a16:creationId xmlns:a16="http://schemas.microsoft.com/office/drawing/2014/main" id="{C3F44906-11E4-4F1A-8E3C-175EC8EF18EA}"/>
+              </a:ext>
+            </a:extLst>
+          </p:cNvPr>
           <p:cNvSpPr>
             <a:spLocks noGrp="1"/>
           </p:cNvSpPr>
@@ -2257,22 +2089,16 @@
         </p:nvSpPr>
         <p:spPr>
           <a:xfrm>
-            <a:off x="1097280" y="1846052"/>
-            <a:ext cx="4937760" cy="736282"/>
+            <a:off x="839788" y="1681163"/>
+            <a:ext cx="5157787" cy="823912"/>
           </a:xfrm>
         </p:spPr>
         <p:txBody>
-          <a:bodyPr lIns="91440" rIns="91440" anchor="ctr">
-            <a:normAutofit/>
-          </a:bodyPr>
+          <a:bodyPr anchor="b"/>
           <a:lstStyle>
             <a:lvl1pPr marL="0" indent="0">
               <a:buNone/>
-              <a:defRPr sz="2000" b="0" cap="all" baseline="0">
-                <a:solidFill>
-                  <a:schemeClr val="tx2"/>
-                </a:solidFill>
-              </a:defRPr>
+              <a:defRPr sz="2400" b="1"/>
             </a:lvl1pPr>
             <a:lvl2pPr marL="457200" indent="0">
               <a:buNone/>
@@ -2318,7 +2144,13 @@
       </p:sp>
       <p:sp>
         <p:nvSpPr>
-          <p:cNvPr id="4" name="Content Placeholder 3"/>
+          <p:cNvPr id="4" name="Content Placeholder 3">
+            <a:extLst>
+              <a:ext uri="{FF2B5EF4-FFF2-40B4-BE49-F238E27FC236}">
+                <a16:creationId xmlns:a16="http://schemas.microsoft.com/office/drawing/2014/main" id="{A41B5519-970E-4040-B1E9-7820DFEA2EB7}"/>
+              </a:ext>
+            </a:extLst>
+          </p:cNvPr>
           <p:cNvSpPr>
             <a:spLocks noGrp="1"/>
           </p:cNvSpPr>
@@ -2328,8 +2160,8 @@
         </p:nvSpPr>
         <p:spPr>
           <a:xfrm>
-            <a:off x="1097280" y="2582334"/>
-            <a:ext cx="4937760" cy="3378200"/>
+            <a:off x="839788" y="2505075"/>
+            <a:ext cx="5157787" cy="3684588"/>
           </a:xfrm>
         </p:spPr>
         <p:txBody>
@@ -2369,13 +2201,18 @@
               <a:rPr lang="en-US"/>
               <a:t>Fifth level</a:t>
             </a:r>
-            <a:endParaRPr lang="en-US" dirty="0"/>
           </a:p>
         </p:txBody>
       </p:sp>
       <p:sp>
         <p:nvSpPr>
-          <p:cNvPr id="5" name="Text Placeholder 4"/>
+          <p:cNvPr id="5" name="Text Placeholder 4">
+            <a:extLst>
+              <a:ext uri="{FF2B5EF4-FFF2-40B4-BE49-F238E27FC236}">
+                <a16:creationId xmlns:a16="http://schemas.microsoft.com/office/drawing/2014/main" id="{C24383BA-037D-49DD-9723-589CB504F831}"/>
+              </a:ext>
+            </a:extLst>
+          </p:cNvPr>
           <p:cNvSpPr>
             <a:spLocks noGrp="1"/>
           </p:cNvSpPr>
@@ -2385,22 +2222,16 @@
         </p:nvSpPr>
         <p:spPr>
           <a:xfrm>
-            <a:off x="6217920" y="1846052"/>
-            <a:ext cx="4937760" cy="736282"/>
+            <a:off x="6172200" y="1681163"/>
+            <a:ext cx="5183188" cy="823912"/>
           </a:xfrm>
         </p:spPr>
         <p:txBody>
-          <a:bodyPr lIns="91440" rIns="91440" anchor="ctr">
-            <a:normAutofit/>
-          </a:bodyPr>
+          <a:bodyPr anchor="b"/>
           <a:lstStyle>
             <a:lvl1pPr marL="0" indent="0">
               <a:buNone/>
-              <a:defRPr sz="2000" b="0" cap="all" baseline="0">
-                <a:solidFill>
-                  <a:schemeClr val="tx2"/>
-                </a:solidFill>
-              </a:defRPr>
+              <a:defRPr sz="2400" b="1"/>
             </a:lvl1pPr>
             <a:lvl2pPr marL="457200" indent="0">
               <a:buNone/>
@@ -2446,7 +2277,13 @@
       </p:sp>
       <p:sp>
         <p:nvSpPr>
-          <p:cNvPr id="6" name="Content Placeholder 5"/>
+          <p:cNvPr id="6" name="Content Placeholder 5">
+            <a:extLst>
+              <a:ext uri="{FF2B5EF4-FFF2-40B4-BE49-F238E27FC236}">
+                <a16:creationId xmlns:a16="http://schemas.microsoft.com/office/drawing/2014/main" id="{73901F4D-064E-4ADC-AB3C-159AF64FFD0D}"/>
+              </a:ext>
+            </a:extLst>
+          </p:cNvPr>
           <p:cNvSpPr>
             <a:spLocks noGrp="1"/>
           </p:cNvSpPr>
@@ -2456,8 +2293,8 @@
         </p:nvSpPr>
         <p:spPr>
           <a:xfrm>
-            <a:off x="6217920" y="2582334"/>
-            <a:ext cx="4937760" cy="3378200"/>
+            <a:off x="6172200" y="2505075"/>
+            <a:ext cx="5183188" cy="3684588"/>
           </a:xfrm>
         </p:spPr>
         <p:txBody>
@@ -2497,13 +2334,18 @@
               <a:rPr lang="en-US"/>
               <a:t>Fifth level</a:t>
             </a:r>
-            <a:endParaRPr lang="en-US" dirty="0"/>
           </a:p>
         </p:txBody>
       </p:sp>
       <p:sp>
         <p:nvSpPr>
-          <p:cNvPr id="7" name="Date Placeholder 6"/>
+          <p:cNvPr id="7" name="Date Placeholder 6">
+            <a:extLst>
+              <a:ext uri="{FF2B5EF4-FFF2-40B4-BE49-F238E27FC236}">
+                <a16:creationId xmlns:a16="http://schemas.microsoft.com/office/drawing/2014/main" id="{B87E2DD9-5E3F-466F-81DB-9FF893E1C08D}"/>
+              </a:ext>
+            </a:extLst>
+          </p:cNvPr>
           <p:cNvSpPr>
             <a:spLocks noGrp="1"/>
           </p:cNvSpPr>
@@ -2518,7 +2360,7 @@
           <a:p>
             <a:fld id="{8037BD97-F9CB-4136-94C9-564ACB7F02B2}" type="datetimeFigureOut">
               <a:rPr lang="en-US" smtClean="0"/>
-              <a:t>5/10/2021</a:t>
+              <a:t>9/8/2021</a:t>
             </a:fld>
             <a:endParaRPr lang="en-US"/>
           </a:p>
@@ -2526,7 +2368,13 @@
       </p:sp>
       <p:sp>
         <p:nvSpPr>
-          <p:cNvPr id="8" name="Footer Placeholder 7"/>
+          <p:cNvPr id="8" name="Footer Placeholder 7">
+            <a:extLst>
+              <a:ext uri="{FF2B5EF4-FFF2-40B4-BE49-F238E27FC236}">
+                <a16:creationId xmlns:a16="http://schemas.microsoft.com/office/drawing/2014/main" id="{F735BD82-394C-4A37-BDC0-74571F8208AA}"/>
+              </a:ext>
+            </a:extLst>
+          </p:cNvPr>
           <p:cNvSpPr>
             <a:spLocks noGrp="1"/>
           </p:cNvSpPr>
@@ -2545,7 +2393,13 @@
       </p:sp>
       <p:sp>
         <p:nvSpPr>
-          <p:cNvPr id="9" name="Slide Number Placeholder 8"/>
+          <p:cNvPr id="9" name="Slide Number Placeholder 8">
+            <a:extLst>
+              <a:ext uri="{FF2B5EF4-FFF2-40B4-BE49-F238E27FC236}">
+                <a16:creationId xmlns:a16="http://schemas.microsoft.com/office/drawing/2014/main" id="{130ABD9F-7593-46C1-86AF-82876FA46B2B}"/>
+              </a:ext>
+            </a:extLst>
+          </p:cNvPr>
           <p:cNvSpPr>
             <a:spLocks noGrp="1"/>
           </p:cNvSpPr>
@@ -2569,7 +2423,7 @@
     </p:spTree>
     <p:extLst>
       <p:ext uri="{BB962C8B-B14F-4D97-AF65-F5344CB8AC3E}">
-        <p14:creationId xmlns:p14="http://schemas.microsoft.com/office/powerpoint/2010/main" val="1028441307"/>
+        <p14:creationId xmlns:p14="http://schemas.microsoft.com/office/powerpoint/2010/main" val="842766400"/>
       </p:ext>
     </p:extLst>
   </p:cSld>
@@ -2598,7 +2452,13 @@
       </p:grpSpPr>
       <p:sp>
         <p:nvSpPr>
-          <p:cNvPr id="2" name="Title 1"/>
+          <p:cNvPr id="2" name="Title 1">
+            <a:extLst>
+              <a:ext uri="{FF2B5EF4-FFF2-40B4-BE49-F238E27FC236}">
+                <a16:creationId xmlns:a16="http://schemas.microsoft.com/office/drawing/2014/main" id="{DF35C69B-5183-4304-932E-9460AA1B98AC}"/>
+              </a:ext>
+            </a:extLst>
+          </p:cNvPr>
           <p:cNvSpPr>
             <a:spLocks noGrp="1"/>
           </p:cNvSpPr>
@@ -2615,13 +2475,18 @@
               <a:rPr lang="en-US"/>
               <a:t>Click to edit Master title style</a:t>
             </a:r>
-            <a:endParaRPr lang="en-US" dirty="0"/>
           </a:p>
         </p:txBody>
       </p:sp>
       <p:sp>
         <p:nvSpPr>
-          <p:cNvPr id="3" name="Date Placeholder 2"/>
+          <p:cNvPr id="3" name="Date Placeholder 2">
+            <a:extLst>
+              <a:ext uri="{FF2B5EF4-FFF2-40B4-BE49-F238E27FC236}">
+                <a16:creationId xmlns:a16="http://schemas.microsoft.com/office/drawing/2014/main" id="{B2A64450-B338-472B-A869-C8B63F4B2F23}"/>
+              </a:ext>
+            </a:extLst>
+          </p:cNvPr>
           <p:cNvSpPr>
             <a:spLocks noGrp="1"/>
           </p:cNvSpPr>
@@ -2636,7 +2501,7 @@
           <a:p>
             <a:fld id="{8037BD97-F9CB-4136-94C9-564ACB7F02B2}" type="datetimeFigureOut">
               <a:rPr lang="en-US" smtClean="0"/>
-              <a:t>5/10/2021</a:t>
+              <a:t>9/8/2021</a:t>
             </a:fld>
             <a:endParaRPr lang="en-US"/>
           </a:p>
@@ -2644,7 +2509,13 @@
       </p:sp>
       <p:sp>
         <p:nvSpPr>
-          <p:cNvPr id="4" name="Footer Placeholder 3"/>
+          <p:cNvPr id="4" name="Footer Placeholder 3">
+            <a:extLst>
+              <a:ext uri="{FF2B5EF4-FFF2-40B4-BE49-F238E27FC236}">
+                <a16:creationId xmlns:a16="http://schemas.microsoft.com/office/drawing/2014/main" id="{7CFACAB0-FC0C-4B3E-ACF8-0FEF988F9625}"/>
+              </a:ext>
+            </a:extLst>
+          </p:cNvPr>
           <p:cNvSpPr>
             <a:spLocks noGrp="1"/>
           </p:cNvSpPr>
@@ -2663,7 +2534,13 @@
       </p:sp>
       <p:sp>
         <p:nvSpPr>
-          <p:cNvPr id="5" name="Slide Number Placeholder 4"/>
+          <p:cNvPr id="5" name="Slide Number Placeholder 4">
+            <a:extLst>
+              <a:ext uri="{FF2B5EF4-FFF2-40B4-BE49-F238E27FC236}">
+                <a16:creationId xmlns:a16="http://schemas.microsoft.com/office/drawing/2014/main" id="{75371253-E344-41F7-A6AB-98228C3FC03C}"/>
+              </a:ext>
+            </a:extLst>
+          </p:cNvPr>
           <p:cNvSpPr>
             <a:spLocks noGrp="1"/>
           </p:cNvSpPr>
@@ -2687,7 +2564,7 @@
     </p:spTree>
     <p:extLst>
       <p:ext uri="{BB962C8B-B14F-4D97-AF65-F5344CB8AC3E}">
-        <p14:creationId xmlns:p14="http://schemas.microsoft.com/office/powerpoint/2010/main" val="1014391536"/>
+        <p14:creationId xmlns:p14="http://schemas.microsoft.com/office/powerpoint/2010/main" val="3134757501"/>
       </p:ext>
     </p:extLst>
   </p:cSld>
@@ -2698,7 +2575,7 @@
 </file>
 
 <file path=ppt/slideLayouts/slideLayout7.xml><?xml version="1.0" encoding="utf-8"?>
-<p:sldLayout xmlns:a="http://schemas.openxmlformats.org/drawingml/2006/main" xmlns:r="http://schemas.openxmlformats.org/officeDocument/2006/relationships" xmlns:p="http://schemas.openxmlformats.org/presentationml/2006/main" showMasterSp="0" type="blank" preserve="1">
+<p:sldLayout xmlns:a="http://schemas.openxmlformats.org/drawingml/2006/main" xmlns:r="http://schemas.openxmlformats.org/officeDocument/2006/relationships" xmlns:p="http://schemas.openxmlformats.org/presentationml/2006/main" type="blank" preserve="1">
   <p:cSld name="Blank">
     <p:spTree>
       <p:nvGrpSpPr>
@@ -2716,83 +2593,13 @@
       </p:grpSpPr>
       <p:sp>
         <p:nvSpPr>
-          <p:cNvPr id="5" name="Rectangle 4"/>
-          <p:cNvSpPr/>
-          <p:nvPr/>
-        </p:nvSpPr>
-        <p:spPr>
-          <a:xfrm>
-            <a:off x="3175" y="6400800"/>
-            <a:ext cx="12188825" cy="457200"/>
-          </a:xfrm>
-          <a:prstGeom prst="rect">
-            <a:avLst/>
-          </a:prstGeom>
-          <a:solidFill>
-            <a:schemeClr val="accent2"/>
-          </a:solidFill>
-          <a:ln>
-            <a:noFill/>
-          </a:ln>
-        </p:spPr>
-        <p:style>
-          <a:lnRef idx="2">
-            <a:schemeClr val="accent1">
-              <a:shade val="50000"/>
-            </a:schemeClr>
-          </a:lnRef>
-          <a:fillRef idx="1">
-            <a:schemeClr val="accent1"/>
-          </a:fillRef>
-          <a:effectRef idx="0">
-            <a:schemeClr val="accent1"/>
-          </a:effectRef>
-          <a:fontRef idx="minor">
-            <a:schemeClr val="lt1"/>
-          </a:fontRef>
-        </p:style>
-      </p:sp>
-      <p:sp>
-        <p:nvSpPr>
-          <p:cNvPr id="6" name="Rectangle 5"/>
-          <p:cNvSpPr/>
-          <p:nvPr/>
-        </p:nvSpPr>
-        <p:spPr>
-          <a:xfrm>
-            <a:off x="15" y="6334316"/>
-            <a:ext cx="12188825" cy="64008"/>
-          </a:xfrm>
-          <a:prstGeom prst="rect">
-            <a:avLst/>
-          </a:prstGeom>
-          <a:solidFill>
-            <a:schemeClr val="accent1"/>
-          </a:solidFill>
-          <a:ln>
-            <a:noFill/>
-          </a:ln>
-        </p:spPr>
-        <p:style>
-          <a:lnRef idx="2">
-            <a:schemeClr val="accent1">
-              <a:shade val="50000"/>
-            </a:schemeClr>
-          </a:lnRef>
-          <a:fillRef idx="1">
-            <a:schemeClr val="accent1"/>
-          </a:fillRef>
-          <a:effectRef idx="0">
-            <a:schemeClr val="accent1"/>
-          </a:effectRef>
-          <a:fontRef idx="minor">
-            <a:schemeClr val="lt1"/>
-          </a:fontRef>
-        </p:style>
-      </p:sp>
-      <p:sp>
-        <p:nvSpPr>
-          <p:cNvPr id="7" name="Date Placeholder 6"/>
+          <p:cNvPr id="2" name="Date Placeholder 1">
+            <a:extLst>
+              <a:ext uri="{FF2B5EF4-FFF2-40B4-BE49-F238E27FC236}">
+                <a16:creationId xmlns:a16="http://schemas.microsoft.com/office/drawing/2014/main" id="{CBE64364-BC72-473A-B5D2-87DCF937F913}"/>
+              </a:ext>
+            </a:extLst>
+          </p:cNvPr>
           <p:cNvSpPr>
             <a:spLocks noGrp="1"/>
           </p:cNvSpPr>
@@ -2807,7 +2614,7 @@
           <a:p>
             <a:fld id="{8037BD97-F9CB-4136-94C9-564ACB7F02B2}" type="datetimeFigureOut">
               <a:rPr lang="en-US" smtClean="0"/>
-              <a:t>5/10/2021</a:t>
+              <a:t>9/8/2021</a:t>
             </a:fld>
             <a:endParaRPr lang="en-US"/>
           </a:p>
@@ -2815,7 +2622,13 @@
       </p:sp>
       <p:sp>
         <p:nvSpPr>
-          <p:cNvPr id="8" name="Footer Placeholder 7"/>
+          <p:cNvPr id="3" name="Footer Placeholder 2">
+            <a:extLst>
+              <a:ext uri="{FF2B5EF4-FFF2-40B4-BE49-F238E27FC236}">
+                <a16:creationId xmlns:a16="http://schemas.microsoft.com/office/drawing/2014/main" id="{9EAF29FC-1381-406D-8339-DB23054CBA82}"/>
+              </a:ext>
+            </a:extLst>
+          </p:cNvPr>
           <p:cNvSpPr>
             <a:spLocks noGrp="1"/>
           </p:cNvSpPr>
@@ -2826,15 +2639,7 @@
         <p:spPr/>
         <p:txBody>
           <a:bodyPr/>
-          <a:lstStyle>
-            <a:lvl1pPr>
-              <a:defRPr>
-                <a:solidFill>
-                  <a:srgbClr val="FFFFFF"/>
-                </a:solidFill>
-              </a:defRPr>
-            </a:lvl1pPr>
-          </a:lstStyle>
+          <a:lstStyle/>
           <a:p>
             <a:endParaRPr lang="en-US"/>
           </a:p>
@@ -2842,7 +2647,13 @@
       </p:sp>
       <p:sp>
         <p:nvSpPr>
-          <p:cNvPr id="9" name="Slide Number Placeholder 8"/>
+          <p:cNvPr id="4" name="Slide Number Placeholder 3">
+            <a:extLst>
+              <a:ext uri="{FF2B5EF4-FFF2-40B4-BE49-F238E27FC236}">
+                <a16:creationId xmlns:a16="http://schemas.microsoft.com/office/drawing/2014/main" id="{62D42858-6902-4525-9F6D-91DD5531273D}"/>
+              </a:ext>
+            </a:extLst>
+          </p:cNvPr>
           <p:cNvSpPr>
             <a:spLocks noGrp="1"/>
           </p:cNvSpPr>
@@ -2866,7 +2677,7 @@
     </p:spTree>
     <p:extLst>
       <p:ext uri="{BB962C8B-B14F-4D97-AF65-F5344CB8AC3E}">
-        <p14:creationId xmlns:p14="http://schemas.microsoft.com/office/powerpoint/2010/main" val="949136649"/>
+        <p14:creationId xmlns:p14="http://schemas.microsoft.com/office/powerpoint/2010/main" val="711034554"/>
       </p:ext>
     </p:extLst>
   </p:cSld>
@@ -2877,7 +2688,7 @@
 </file>
 
 <file path=ppt/slideLayouts/slideLayout8.xml><?xml version="1.0" encoding="utf-8"?>
-<p:sldLayout xmlns:a="http://schemas.openxmlformats.org/drawingml/2006/main" xmlns:r="http://schemas.openxmlformats.org/officeDocument/2006/relationships" xmlns:p="http://schemas.openxmlformats.org/presentationml/2006/main" showMasterSp="0" type="objTx" preserve="1">
+<p:sldLayout xmlns:a="http://schemas.openxmlformats.org/drawingml/2006/main" xmlns:r="http://schemas.openxmlformats.org/officeDocument/2006/relationships" xmlns:p="http://schemas.openxmlformats.org/presentationml/2006/main" type="objTx" preserve="1">
   <p:cSld name="Content with Caption">
     <p:spTree>
       <p:nvGrpSpPr>
@@ -2895,83 +2706,13 @@
       </p:grpSpPr>
       <p:sp>
         <p:nvSpPr>
-          <p:cNvPr id="8" name="Rectangle 7"/>
-          <p:cNvSpPr/>
-          <p:nvPr/>
-        </p:nvSpPr>
-        <p:spPr>
-          <a:xfrm>
-            <a:off x="16" y="0"/>
-            <a:ext cx="4050791" cy="6858000"/>
-          </a:xfrm>
-          <a:prstGeom prst="rect">
-            <a:avLst/>
-          </a:prstGeom>
-          <a:solidFill>
-            <a:schemeClr val="accent2"/>
-          </a:solidFill>
-          <a:ln>
-            <a:noFill/>
-          </a:ln>
-        </p:spPr>
-        <p:style>
-          <a:lnRef idx="2">
-            <a:schemeClr val="accent1">
-              <a:shade val="50000"/>
-            </a:schemeClr>
-          </a:lnRef>
-          <a:fillRef idx="1">
-            <a:schemeClr val="accent1"/>
-          </a:fillRef>
-          <a:effectRef idx="0">
-            <a:schemeClr val="accent1"/>
-          </a:effectRef>
-          <a:fontRef idx="minor">
-            <a:schemeClr val="lt1"/>
-          </a:fontRef>
-        </p:style>
-      </p:sp>
-      <p:sp>
-        <p:nvSpPr>
-          <p:cNvPr id="9" name="Rectangle 8"/>
-          <p:cNvSpPr/>
-          <p:nvPr/>
-        </p:nvSpPr>
-        <p:spPr>
-          <a:xfrm>
-            <a:off x="4040071" y="0"/>
-            <a:ext cx="64008" cy="6858000"/>
-          </a:xfrm>
-          <a:prstGeom prst="rect">
-            <a:avLst/>
-          </a:prstGeom>
-          <a:solidFill>
-            <a:schemeClr val="accent1"/>
-          </a:solidFill>
-          <a:ln>
-            <a:noFill/>
-          </a:ln>
-        </p:spPr>
-        <p:style>
-          <a:lnRef idx="2">
-            <a:schemeClr val="accent1">
-              <a:shade val="50000"/>
-            </a:schemeClr>
-          </a:lnRef>
-          <a:fillRef idx="1">
-            <a:schemeClr val="accent1"/>
-          </a:fillRef>
-          <a:effectRef idx="0">
-            <a:schemeClr val="accent1"/>
-          </a:effectRef>
-          <a:fontRef idx="minor">
-            <a:schemeClr val="lt1"/>
-          </a:fontRef>
-        </p:style>
-      </p:sp>
-      <p:sp>
-        <p:nvSpPr>
-          <p:cNvPr id="2" name="Title 1"/>
+          <p:cNvPr id="2" name="Title 1">
+            <a:extLst>
+              <a:ext uri="{FF2B5EF4-FFF2-40B4-BE49-F238E27FC236}">
+                <a16:creationId xmlns:a16="http://schemas.microsoft.com/office/drawing/2014/main" id="{B7A2CB48-E5B7-4930-A9BE-4852CC502BAD}"/>
+              </a:ext>
+            </a:extLst>
+          </p:cNvPr>
           <p:cNvSpPr>
             <a:spLocks noGrp="1"/>
           </p:cNvSpPr>
@@ -2981,21 +2722,15 @@
         </p:nvSpPr>
         <p:spPr>
           <a:xfrm>
-            <a:off x="457200" y="594359"/>
-            <a:ext cx="3200400" cy="2286000"/>
+            <a:off x="839788" y="457200"/>
+            <a:ext cx="3932237" cy="1600200"/>
           </a:xfrm>
         </p:spPr>
         <p:txBody>
-          <a:bodyPr anchor="b">
-            <a:normAutofit/>
-          </a:bodyPr>
+          <a:bodyPr anchor="b"/>
           <a:lstStyle>
             <a:lvl1pPr>
-              <a:defRPr sz="3600" b="0">
-                <a:solidFill>
-                  <a:srgbClr val="FFFFFF"/>
-                </a:solidFill>
-              </a:defRPr>
+              <a:defRPr sz="3200"/>
             </a:lvl1pPr>
           </a:lstStyle>
           <a:p>
@@ -3003,13 +2738,18 @@
               <a:rPr lang="en-US"/>
               <a:t>Click to edit Master title style</a:t>
             </a:r>
-            <a:endParaRPr lang="en-US" dirty="0"/>
           </a:p>
         </p:txBody>
       </p:sp>
       <p:sp>
         <p:nvSpPr>
-          <p:cNvPr id="3" name="Content Placeholder 2"/>
+          <p:cNvPr id="3" name="Content Placeholder 2">
+            <a:extLst>
+              <a:ext uri="{FF2B5EF4-FFF2-40B4-BE49-F238E27FC236}">
+                <a16:creationId xmlns:a16="http://schemas.microsoft.com/office/drawing/2014/main" id="{A3D6361D-6E72-43FD-979B-7AB25144F23B}"/>
+              </a:ext>
+            </a:extLst>
+          </p:cNvPr>
           <p:cNvSpPr>
             <a:spLocks noGrp="1"/>
           </p:cNvSpPr>
@@ -3019,13 +2759,41 @@
         </p:nvSpPr>
         <p:spPr>
           <a:xfrm>
-            <a:off x="4800600" y="731520"/>
-            <a:ext cx="6492240" cy="5257800"/>
+            <a:off x="5183188" y="987425"/>
+            <a:ext cx="6172200" cy="4873625"/>
           </a:xfrm>
         </p:spPr>
         <p:txBody>
           <a:bodyPr/>
-          <a:lstStyle/>
+          <a:lstStyle>
+            <a:lvl1pPr>
+              <a:defRPr sz="3200"/>
+            </a:lvl1pPr>
+            <a:lvl2pPr>
+              <a:defRPr sz="2800"/>
+            </a:lvl2pPr>
+            <a:lvl3pPr>
+              <a:defRPr sz="2400"/>
+            </a:lvl3pPr>
+            <a:lvl4pPr>
+              <a:defRPr sz="2000"/>
+            </a:lvl4pPr>
+            <a:lvl5pPr>
+              <a:defRPr sz="2000"/>
+            </a:lvl5pPr>
+            <a:lvl6pPr>
+              <a:defRPr sz="2000"/>
+            </a:lvl6pPr>
+            <a:lvl7pPr>
+              <a:defRPr sz="2000"/>
+            </a:lvl7pPr>
+            <a:lvl8pPr>
+              <a:defRPr sz="2000"/>
+            </a:lvl8pPr>
+            <a:lvl9pPr>
+              <a:defRPr sz="2000"/>
+            </a:lvl9pPr>
+          </a:lstStyle>
           <a:p>
             <a:pPr lvl="0"/>
             <a:r>
@@ -3060,13 +2828,18 @@
               <a:rPr lang="en-US"/>
               <a:t>Fifth level</a:t>
             </a:r>
-            <a:endParaRPr lang="en-US" dirty="0"/>
           </a:p>
         </p:txBody>
       </p:sp>
       <p:sp>
         <p:nvSpPr>
-          <p:cNvPr id="4" name="Text Placeholder 3"/>
+          <p:cNvPr id="4" name="Text Placeholder 3">
+            <a:extLst>
+              <a:ext uri="{FF2B5EF4-FFF2-40B4-BE49-F238E27FC236}">
+                <a16:creationId xmlns:a16="http://schemas.microsoft.com/office/drawing/2014/main" id="{91BFC736-980B-4022-A00B-BF90107979A8}"/>
+              </a:ext>
+            </a:extLst>
+          </p:cNvPr>
           <p:cNvSpPr>
             <a:spLocks noGrp="1"/>
           </p:cNvSpPr>
@@ -3076,54 +2849,48 @@
         </p:nvSpPr>
         <p:spPr>
           <a:xfrm>
-            <a:off x="457200" y="2926080"/>
-            <a:ext cx="3200400" cy="3379124"/>
+            <a:off x="839788" y="2057400"/>
+            <a:ext cx="3932237" cy="3811588"/>
           </a:xfrm>
         </p:spPr>
         <p:txBody>
-          <a:bodyPr lIns="91440" rIns="91440">
-            <a:normAutofit/>
-          </a:bodyPr>
+          <a:bodyPr/>
           <a:lstStyle>
             <a:lvl1pPr marL="0" indent="0">
               <a:buNone/>
-              <a:defRPr sz="1500">
-                <a:solidFill>
-                  <a:srgbClr val="FFFFFF"/>
-                </a:solidFill>
-              </a:defRPr>
+              <a:defRPr sz="1600"/>
             </a:lvl1pPr>
             <a:lvl2pPr marL="457200" indent="0">
               <a:buNone/>
-              <a:defRPr sz="1200"/>
+              <a:defRPr sz="1400"/>
             </a:lvl2pPr>
             <a:lvl3pPr marL="914400" indent="0">
               <a:buNone/>
-              <a:defRPr sz="1000"/>
+              <a:defRPr sz="1200"/>
             </a:lvl3pPr>
             <a:lvl4pPr marL="1371600" indent="0">
               <a:buNone/>
-              <a:defRPr sz="900"/>
+              <a:defRPr sz="1000"/>
             </a:lvl4pPr>
             <a:lvl5pPr marL="1828800" indent="0">
               <a:buNone/>
-              <a:defRPr sz="900"/>
+              <a:defRPr sz="1000"/>
             </a:lvl5pPr>
             <a:lvl6pPr marL="2286000" indent="0">
               <a:buNone/>
-              <a:defRPr sz="900"/>
+              <a:defRPr sz="1000"/>
             </a:lvl6pPr>
             <a:lvl7pPr marL="2743200" indent="0">
               <a:buNone/>
-              <a:defRPr sz="900"/>
+              <a:defRPr sz="1000"/>
             </a:lvl7pPr>
             <a:lvl8pPr marL="3200400" indent="0">
               <a:buNone/>
-              <a:defRPr sz="900"/>
+              <a:defRPr sz="1000"/>
             </a:lvl8pPr>
             <a:lvl9pPr marL="3657600" indent="0">
               <a:buNone/>
-              <a:defRPr sz="900"/>
+              <a:defRPr sz="1000"/>
             </a:lvl9pPr>
           </a:lstStyle>
           <a:p>
@@ -3137,7 +2904,13 @@
       </p:sp>
       <p:sp>
         <p:nvSpPr>
-          <p:cNvPr id="5" name="Date Placeholder 4"/>
+          <p:cNvPr id="5" name="Date Placeholder 4">
+            <a:extLst>
+              <a:ext uri="{FF2B5EF4-FFF2-40B4-BE49-F238E27FC236}">
+                <a16:creationId xmlns:a16="http://schemas.microsoft.com/office/drawing/2014/main" id="{24EEB01E-5A79-46CD-A4B8-6E19395B18F9}"/>
+              </a:ext>
+            </a:extLst>
+          </p:cNvPr>
           <p:cNvSpPr>
             <a:spLocks noGrp="1"/>
           </p:cNvSpPr>
@@ -3145,23 +2918,14 @@
             <p:ph type="dt" sz="half" idx="10"/>
           </p:nvPr>
         </p:nvSpPr>
-        <p:spPr>
-          <a:xfrm>
-            <a:off x="465512" y="6459785"/>
-            <a:ext cx="2618510" cy="365125"/>
-          </a:xfrm>
-        </p:spPr>
+        <p:spPr/>
         <p:txBody>
           <a:bodyPr/>
-          <a:lstStyle>
-            <a:lvl1pPr algn="l">
-              <a:defRPr/>
-            </a:lvl1pPr>
-          </a:lstStyle>
+          <a:lstStyle/>
           <a:p>
             <a:fld id="{8037BD97-F9CB-4136-94C9-564ACB7F02B2}" type="datetimeFigureOut">
               <a:rPr lang="en-US" smtClean="0"/>
-              <a:t>5/10/2021</a:t>
+              <a:t>9/8/2021</a:t>
             </a:fld>
             <a:endParaRPr lang="en-US"/>
           </a:p>
@@ -3169,7 +2933,13 @@
       </p:sp>
       <p:sp>
         <p:nvSpPr>
-          <p:cNvPr id="6" name="Footer Placeholder 5"/>
+          <p:cNvPr id="6" name="Footer Placeholder 5">
+            <a:extLst>
+              <a:ext uri="{FF2B5EF4-FFF2-40B4-BE49-F238E27FC236}">
+                <a16:creationId xmlns:a16="http://schemas.microsoft.com/office/drawing/2014/main" id="{B7337198-73E1-4A53-95E8-063ECCE10DFA}"/>
+              </a:ext>
+            </a:extLst>
+          </p:cNvPr>
           <p:cNvSpPr>
             <a:spLocks noGrp="1"/>
           </p:cNvSpPr>
@@ -3177,23 +2947,10 @@
             <p:ph type="ftr" sz="quarter" idx="11"/>
           </p:nvPr>
         </p:nvSpPr>
-        <p:spPr>
-          <a:xfrm>
-            <a:off x="4800600" y="6459785"/>
-            <a:ext cx="4648200" cy="365125"/>
-          </a:xfrm>
-        </p:spPr>
+        <p:spPr/>
         <p:txBody>
           <a:bodyPr/>
-          <a:lstStyle>
-            <a:lvl1pPr algn="l">
-              <a:defRPr>
-                <a:solidFill>
-                  <a:schemeClr val="tx2"/>
-                </a:solidFill>
-              </a:defRPr>
-            </a:lvl1pPr>
-          </a:lstStyle>
+          <a:lstStyle/>
           <a:p>
             <a:endParaRPr lang="en-US"/>
           </a:p>
@@ -3201,7 +2958,13 @@
       </p:sp>
       <p:sp>
         <p:nvSpPr>
-          <p:cNvPr id="7" name="Slide Number Placeholder 6"/>
+          <p:cNvPr id="7" name="Slide Number Placeholder 6">
+            <a:extLst>
+              <a:ext uri="{FF2B5EF4-FFF2-40B4-BE49-F238E27FC236}">
+                <a16:creationId xmlns:a16="http://schemas.microsoft.com/office/drawing/2014/main" id="{D67A5C14-02F0-48F9-B1E3-0345FCFC11E8}"/>
+              </a:ext>
+            </a:extLst>
+          </p:cNvPr>
           <p:cNvSpPr>
             <a:spLocks noGrp="1"/>
           </p:cNvSpPr>
@@ -3212,15 +2975,7 @@
         <p:spPr/>
         <p:txBody>
           <a:bodyPr/>
-          <a:lstStyle>
-            <a:lvl1pPr>
-              <a:defRPr>
-                <a:solidFill>
-                  <a:schemeClr val="tx2"/>
-                </a:solidFill>
-              </a:defRPr>
-            </a:lvl1pPr>
-          </a:lstStyle>
+          <a:lstStyle/>
           <a:p>
             <a:fld id="{A2F50414-0004-46AF-8EB3-CA3751499238}" type="slidenum">
               <a:rPr lang="en-US" smtClean="0"/>
@@ -3233,7 +2988,7 @@
     </p:spTree>
     <p:extLst>
       <p:ext uri="{BB962C8B-B14F-4D97-AF65-F5344CB8AC3E}">
-        <p14:creationId xmlns:p14="http://schemas.microsoft.com/office/powerpoint/2010/main" val="88209110"/>
+        <p14:creationId xmlns:p14="http://schemas.microsoft.com/office/powerpoint/2010/main" val="3727070364"/>
       </p:ext>
     </p:extLst>
   </p:cSld>
@@ -3244,7 +2999,7 @@
 </file>
 
 <file path=ppt/slideLayouts/slideLayout9.xml><?xml version="1.0" encoding="utf-8"?>
-<p:sldLayout xmlns:a="http://schemas.openxmlformats.org/drawingml/2006/main" xmlns:r="http://schemas.openxmlformats.org/officeDocument/2006/relationships" xmlns:p="http://schemas.openxmlformats.org/presentationml/2006/main" showMasterSp="0" type="picTx" preserve="1">
+<p:sldLayout xmlns:a="http://schemas.openxmlformats.org/drawingml/2006/main" xmlns:r="http://schemas.openxmlformats.org/officeDocument/2006/relationships" xmlns:p="http://schemas.openxmlformats.org/presentationml/2006/main" type="picTx" preserve="1">
   <p:cSld name="Picture with Caption">
     <p:spTree>
       <p:nvGrpSpPr>
@@ -3262,83 +3017,13 @@
       </p:grpSpPr>
       <p:sp>
         <p:nvSpPr>
-          <p:cNvPr id="8" name="Rectangle 7"/>
-          <p:cNvSpPr/>
-          <p:nvPr/>
-        </p:nvSpPr>
-        <p:spPr>
-          <a:xfrm>
-            <a:off x="0" y="4953000"/>
-            <a:ext cx="12188825" cy="1905000"/>
-          </a:xfrm>
-          <a:prstGeom prst="rect">
-            <a:avLst/>
-          </a:prstGeom>
-          <a:solidFill>
-            <a:schemeClr val="accent2"/>
-          </a:solidFill>
-          <a:ln>
-            <a:noFill/>
-          </a:ln>
-        </p:spPr>
-        <p:style>
-          <a:lnRef idx="2">
-            <a:schemeClr val="accent1">
-              <a:shade val="50000"/>
-            </a:schemeClr>
-          </a:lnRef>
-          <a:fillRef idx="1">
-            <a:schemeClr val="accent1"/>
-          </a:fillRef>
-          <a:effectRef idx="0">
-            <a:schemeClr val="accent1"/>
-          </a:effectRef>
-          <a:fontRef idx="minor">
-            <a:schemeClr val="lt1"/>
-          </a:fontRef>
-        </p:style>
-      </p:sp>
-      <p:sp>
-        <p:nvSpPr>
-          <p:cNvPr id="9" name="Rectangle 8"/>
-          <p:cNvSpPr/>
-          <p:nvPr/>
-        </p:nvSpPr>
-        <p:spPr>
-          <a:xfrm>
-            <a:off x="15" y="4915076"/>
-            <a:ext cx="12188825" cy="64008"/>
-          </a:xfrm>
-          <a:prstGeom prst="rect">
-            <a:avLst/>
-          </a:prstGeom>
-          <a:solidFill>
-            <a:schemeClr val="accent1"/>
-          </a:solidFill>
-          <a:ln>
-            <a:noFill/>
-          </a:ln>
-        </p:spPr>
-        <p:style>
-          <a:lnRef idx="2">
-            <a:schemeClr val="accent1">
-              <a:shade val="50000"/>
-            </a:schemeClr>
-          </a:lnRef>
-          <a:fillRef idx="1">
-            <a:schemeClr val="accent1"/>
-          </a:fillRef>
-          <a:effectRef idx="0">
-            <a:schemeClr val="accent1"/>
-          </a:effectRef>
-          <a:fontRef idx="minor">
-            <a:schemeClr val="lt1"/>
-          </a:fontRef>
-        </p:style>
-      </p:sp>
-      <p:sp>
-        <p:nvSpPr>
-          <p:cNvPr id="2" name="Title 1"/>
+          <p:cNvPr id="2" name="Title 1">
+            <a:extLst>
+              <a:ext uri="{FF2B5EF4-FFF2-40B4-BE49-F238E27FC236}">
+                <a16:creationId xmlns:a16="http://schemas.microsoft.com/office/drawing/2014/main" id="{8CA4E3C6-A4F5-40FB-999A-3971F34CC66F}"/>
+              </a:ext>
+            </a:extLst>
+          </p:cNvPr>
           <p:cNvSpPr>
             <a:spLocks noGrp="1"/>
           </p:cNvSpPr>
@@ -3348,21 +3033,15 @@
         </p:nvSpPr>
         <p:spPr>
           <a:xfrm>
-            <a:off x="1097280" y="5074920"/>
-            <a:ext cx="10113264" cy="822960"/>
+            <a:off x="839788" y="457200"/>
+            <a:ext cx="3932237" cy="1600200"/>
           </a:xfrm>
         </p:spPr>
         <p:txBody>
-          <a:bodyPr lIns="91440" tIns="0" rIns="91440" bIns="0" anchor="b">
-            <a:noAutofit/>
-          </a:bodyPr>
+          <a:bodyPr anchor="b"/>
           <a:lstStyle>
             <a:lvl1pPr>
-              <a:defRPr sz="3600" b="0">
-                <a:solidFill>
-                  <a:srgbClr val="FFFFFF"/>
-                </a:solidFill>
-              </a:defRPr>
+              <a:defRPr sz="3200"/>
             </a:lvl1pPr>
           </a:lstStyle>
           <a:p>
@@ -3370,15 +3049,20 @@
               <a:rPr lang="en-US"/>
               <a:t>Click to edit Master title style</a:t>
             </a:r>
-            <a:endParaRPr lang="en-US" dirty="0"/>
           </a:p>
         </p:txBody>
       </p:sp>
       <p:sp>
         <p:nvSpPr>
-          <p:cNvPr id="3" name="Picture Placeholder 2"/>
+          <p:cNvPr id="3" name="Picture Placeholder 2">
+            <a:extLst>
+              <a:ext uri="{FF2B5EF4-FFF2-40B4-BE49-F238E27FC236}">
+                <a16:creationId xmlns:a16="http://schemas.microsoft.com/office/drawing/2014/main" id="{46F0BF5A-7CE1-48BC-8810-6DD4ECBD3E16}"/>
+              </a:ext>
+            </a:extLst>
+          </p:cNvPr>
           <p:cNvSpPr>
-            <a:spLocks noGrp="1" noChangeAspect="1"/>
+            <a:spLocks noGrp="1"/>
           </p:cNvSpPr>
           <p:nvPr>
             <p:ph type="pic" idx="1"/>
@@ -3386,26 +3070,16 @@
         </p:nvSpPr>
         <p:spPr>
           <a:xfrm>
-            <a:off x="15" y="0"/>
-            <a:ext cx="12191985" cy="4915076"/>
+            <a:off x="5183188" y="987425"/>
+            <a:ext cx="6172200" cy="4873625"/>
           </a:xfrm>
-          <a:blipFill>
-            <a:blip r:embed="rId2"/>
-            <a:stretch>
-              <a:fillRect/>
-            </a:stretch>
-          </a:blipFill>
         </p:spPr>
         <p:txBody>
-          <a:bodyPr lIns="457200" tIns="457200" anchor="t"/>
+          <a:bodyPr/>
           <a:lstStyle>
             <a:lvl1pPr marL="0" indent="0">
               <a:buNone/>
-              <a:defRPr sz="3200">
-                <a:solidFill>
-                  <a:schemeClr val="bg1"/>
-                </a:solidFill>
-              </a:defRPr>
+              <a:defRPr sz="3200"/>
             </a:lvl1pPr>
             <a:lvl2pPr marL="457200" indent="0">
               <a:buNone/>
@@ -3441,17 +3115,19 @@
             </a:lvl9pPr>
           </a:lstStyle>
           <a:p>
-            <a:r>
-              <a:rPr lang="en-US"/>
-              <a:t>Click icon to add picture</a:t>
-            </a:r>
-            <a:endParaRPr lang="en-US" dirty="0"/>
+            <a:endParaRPr lang="en-US"/>
           </a:p>
         </p:txBody>
       </p:sp>
       <p:sp>
         <p:nvSpPr>
-          <p:cNvPr id="4" name="Text Placeholder 3"/>
+          <p:cNvPr id="4" name="Text Placeholder 3">
+            <a:extLst>
+              <a:ext uri="{FF2B5EF4-FFF2-40B4-BE49-F238E27FC236}">
+                <a16:creationId xmlns:a16="http://schemas.microsoft.com/office/drawing/2014/main" id="{9A6440F5-2114-4F64-A676-EEBAE418E020}"/>
+              </a:ext>
+            </a:extLst>
+          </p:cNvPr>
           <p:cNvSpPr>
             <a:spLocks noGrp="1"/>
           </p:cNvSpPr>
@@ -3461,60 +3137,48 @@
         </p:nvSpPr>
         <p:spPr>
           <a:xfrm>
-            <a:off x="1097280" y="5907023"/>
-            <a:ext cx="10113264" cy="594360"/>
+            <a:off x="839788" y="2057400"/>
+            <a:ext cx="3932237" cy="3811588"/>
           </a:xfrm>
         </p:spPr>
         <p:txBody>
-          <a:bodyPr lIns="91440" tIns="0" rIns="91440" bIns="0">
-            <a:normAutofit/>
-          </a:bodyPr>
+          <a:bodyPr/>
           <a:lstStyle>
             <a:lvl1pPr marL="0" indent="0">
-              <a:spcBef>
-                <a:spcPts val="0"/>
-              </a:spcBef>
-              <a:spcAft>
-                <a:spcPts val="600"/>
-              </a:spcAft>
               <a:buNone/>
-              <a:defRPr sz="1500">
-                <a:solidFill>
-                  <a:srgbClr val="FFFFFF"/>
-                </a:solidFill>
-              </a:defRPr>
+              <a:defRPr sz="1600"/>
             </a:lvl1pPr>
             <a:lvl2pPr marL="457200" indent="0">
               <a:buNone/>
-              <a:defRPr sz="1200"/>
+              <a:defRPr sz="1400"/>
             </a:lvl2pPr>
             <a:lvl3pPr marL="914400" indent="0">
               <a:buNone/>
-              <a:defRPr sz="1000"/>
+              <a:defRPr sz="1200"/>
             </a:lvl3pPr>
             <a:lvl4pPr marL="1371600" indent="0">
               <a:buNone/>
-              <a:defRPr sz="900"/>
+              <a:defRPr sz="1000"/>
             </a:lvl4pPr>
             <a:lvl5pPr marL="1828800" indent="0">
               <a:buNone/>
-              <a:defRPr sz="900"/>
+              <a:defRPr sz="1000"/>
             </a:lvl5pPr>
             <a:lvl6pPr marL="2286000" indent="0">
               <a:buNone/>
-              <a:defRPr sz="900"/>
+              <a:defRPr sz="1000"/>
             </a:lvl6pPr>
             <a:lvl7pPr marL="2743200" indent="0">
               <a:buNone/>
-              <a:defRPr sz="900"/>
+              <a:defRPr sz="1000"/>
             </a:lvl7pPr>
             <a:lvl8pPr marL="3200400" indent="0">
               <a:buNone/>
-              <a:defRPr sz="900"/>
+              <a:defRPr sz="1000"/>
             </a:lvl8pPr>
             <a:lvl9pPr marL="3657600" indent="0">
               <a:buNone/>
-              <a:defRPr sz="900"/>
+              <a:defRPr sz="1000"/>
             </a:lvl9pPr>
           </a:lstStyle>
           <a:p>
@@ -3528,7 +3192,13 @@
       </p:sp>
       <p:sp>
         <p:nvSpPr>
-          <p:cNvPr id="5" name="Date Placeholder 4"/>
+          <p:cNvPr id="5" name="Date Placeholder 4">
+            <a:extLst>
+              <a:ext uri="{FF2B5EF4-FFF2-40B4-BE49-F238E27FC236}">
+                <a16:creationId xmlns:a16="http://schemas.microsoft.com/office/drawing/2014/main" id="{85050289-091D-454F-93C0-F36E198880F9}"/>
+              </a:ext>
+            </a:extLst>
+          </p:cNvPr>
           <p:cNvSpPr>
             <a:spLocks noGrp="1"/>
           </p:cNvSpPr>
@@ -3543,7 +3213,7 @@
           <a:p>
             <a:fld id="{8037BD97-F9CB-4136-94C9-564ACB7F02B2}" type="datetimeFigureOut">
               <a:rPr lang="en-US" smtClean="0"/>
-              <a:t>5/10/2021</a:t>
+              <a:t>9/8/2021</a:t>
             </a:fld>
             <a:endParaRPr lang="en-US"/>
           </a:p>
@@ -3551,7 +3221,13 @@
       </p:sp>
       <p:sp>
         <p:nvSpPr>
-          <p:cNvPr id="6" name="Footer Placeholder 5"/>
+          <p:cNvPr id="6" name="Footer Placeholder 5">
+            <a:extLst>
+              <a:ext uri="{FF2B5EF4-FFF2-40B4-BE49-F238E27FC236}">
+                <a16:creationId xmlns:a16="http://schemas.microsoft.com/office/drawing/2014/main" id="{88D6D025-4FD2-422A-A56A-A7572BF18E62}"/>
+              </a:ext>
+            </a:extLst>
+          </p:cNvPr>
           <p:cNvSpPr>
             <a:spLocks noGrp="1"/>
           </p:cNvSpPr>
@@ -3570,7 +3246,13 @@
       </p:sp>
       <p:sp>
         <p:nvSpPr>
-          <p:cNvPr id="7" name="Slide Number Placeholder 6"/>
+          <p:cNvPr id="7" name="Slide Number Placeholder 6">
+            <a:extLst>
+              <a:ext uri="{FF2B5EF4-FFF2-40B4-BE49-F238E27FC236}">
+                <a16:creationId xmlns:a16="http://schemas.microsoft.com/office/drawing/2014/main" id="{27156F84-CE15-416A-BB5E-9513AFBDA3FC}"/>
+              </a:ext>
+            </a:extLst>
+          </p:cNvPr>
           <p:cNvSpPr>
             <a:spLocks noGrp="1"/>
           </p:cNvSpPr>
@@ -3594,7 +3276,7 @@
     </p:spTree>
     <p:extLst>
       <p:ext uri="{BB962C8B-B14F-4D97-AF65-F5344CB8AC3E}">
-        <p14:creationId xmlns:p14="http://schemas.microsoft.com/office/powerpoint/2010/main" val="290553944"/>
+        <p14:creationId xmlns:p14="http://schemas.microsoft.com/office/powerpoint/2010/main" val="3311275912"/>
       </p:ext>
     </p:extLst>
   </p:cSld>
@@ -3628,83 +3310,13 @@
       </p:grpSpPr>
       <p:sp>
         <p:nvSpPr>
-          <p:cNvPr id="7" name="Rectangle 6"/>
-          <p:cNvSpPr/>
-          <p:nvPr/>
-        </p:nvSpPr>
-        <p:spPr>
-          <a:xfrm>
-            <a:off x="1" y="6400800"/>
-            <a:ext cx="12192000" cy="457200"/>
-          </a:xfrm>
-          <a:prstGeom prst="rect">
-            <a:avLst/>
-          </a:prstGeom>
-          <a:solidFill>
-            <a:schemeClr val="accent2"/>
-          </a:solidFill>
-          <a:ln>
-            <a:noFill/>
-          </a:ln>
-        </p:spPr>
-        <p:style>
-          <a:lnRef idx="2">
-            <a:schemeClr val="accent1">
-              <a:shade val="50000"/>
-            </a:schemeClr>
-          </a:lnRef>
-          <a:fillRef idx="1">
-            <a:schemeClr val="accent1"/>
-          </a:fillRef>
-          <a:effectRef idx="0">
-            <a:schemeClr val="accent1"/>
-          </a:effectRef>
-          <a:fontRef idx="minor">
-            <a:schemeClr val="lt1"/>
-          </a:fontRef>
-        </p:style>
-      </p:sp>
-      <p:sp>
-        <p:nvSpPr>
-          <p:cNvPr id="9" name="Rectangle 8"/>
-          <p:cNvSpPr/>
-          <p:nvPr/>
-        </p:nvSpPr>
-        <p:spPr>
-          <a:xfrm>
-            <a:off x="0" y="6334316"/>
-            <a:ext cx="12192001" cy="65998"/>
-          </a:xfrm>
-          <a:prstGeom prst="rect">
-            <a:avLst/>
-          </a:prstGeom>
-          <a:solidFill>
-            <a:schemeClr val="accent1"/>
-          </a:solidFill>
-          <a:ln>
-            <a:noFill/>
-          </a:ln>
-        </p:spPr>
-        <p:style>
-          <a:lnRef idx="2">
-            <a:schemeClr val="accent1">
-              <a:shade val="50000"/>
-            </a:schemeClr>
-          </a:lnRef>
-          <a:fillRef idx="1">
-            <a:schemeClr val="accent1"/>
-          </a:fillRef>
-          <a:effectRef idx="0">
-            <a:schemeClr val="accent1"/>
-          </a:effectRef>
-          <a:fontRef idx="minor">
-            <a:schemeClr val="lt1"/>
-          </a:fontRef>
-        </p:style>
-      </p:sp>
-      <p:sp>
-        <p:nvSpPr>
-          <p:cNvPr id="2" name="Title Placeholder 1"/>
+          <p:cNvPr id="2" name="Title Placeholder 1">
+            <a:extLst>
+              <a:ext uri="{FF2B5EF4-FFF2-40B4-BE49-F238E27FC236}">
+                <a16:creationId xmlns:a16="http://schemas.microsoft.com/office/drawing/2014/main" id="{03CCA335-9269-4079-B106-60FDC83F1DB0}"/>
+              </a:ext>
+            </a:extLst>
+          </p:cNvPr>
           <p:cNvSpPr>
             <a:spLocks noGrp="1"/>
           </p:cNvSpPr>
@@ -3714,15 +3326,15 @@
         </p:nvSpPr>
         <p:spPr>
           <a:xfrm>
-            <a:off x="1097280" y="286603"/>
-            <a:ext cx="10058400" cy="1450757"/>
+            <a:off x="838200" y="365125"/>
+            <a:ext cx="10515600" cy="1325563"/>
           </a:xfrm>
           <a:prstGeom prst="rect">
             <a:avLst/>
           </a:prstGeom>
         </p:spPr>
         <p:txBody>
-          <a:bodyPr vert="horz" lIns="91440" tIns="45720" rIns="91440" bIns="45720" rtlCol="0" anchor="b">
+          <a:bodyPr vert="horz" lIns="91440" tIns="45720" rIns="91440" bIns="45720" rtlCol="0" anchor="ctr">
             <a:normAutofit/>
           </a:bodyPr>
           <a:lstStyle/>
@@ -3731,13 +3343,18 @@
               <a:rPr lang="en-US"/>
               <a:t>Click to edit Master title style</a:t>
             </a:r>
-            <a:endParaRPr lang="en-US" dirty="0"/>
           </a:p>
         </p:txBody>
       </p:sp>
       <p:sp>
         <p:nvSpPr>
-          <p:cNvPr id="3" name="Text Placeholder 2"/>
+          <p:cNvPr id="3" name="Text Placeholder 2">
+            <a:extLst>
+              <a:ext uri="{FF2B5EF4-FFF2-40B4-BE49-F238E27FC236}">
+                <a16:creationId xmlns:a16="http://schemas.microsoft.com/office/drawing/2014/main" id="{A9B3252E-1348-4458-8C5F-839C7858F801}"/>
+              </a:ext>
+            </a:extLst>
+          </p:cNvPr>
           <p:cNvSpPr>
             <a:spLocks noGrp="1"/>
           </p:cNvSpPr>
@@ -3747,15 +3364,15 @@
         </p:nvSpPr>
         <p:spPr>
           <a:xfrm>
-            <a:off x="1097280" y="1845734"/>
-            <a:ext cx="10058400" cy="4023360"/>
+            <a:off x="838200" y="1825625"/>
+            <a:ext cx="10515600" cy="4351338"/>
           </a:xfrm>
           <a:prstGeom prst="rect">
             <a:avLst/>
           </a:prstGeom>
         </p:spPr>
         <p:txBody>
-          <a:bodyPr vert="horz" lIns="0" tIns="45720" rIns="0" bIns="45720" rtlCol="0">
+          <a:bodyPr vert="horz" lIns="91440" tIns="45720" rIns="91440" bIns="45720" rtlCol="0">
             <a:normAutofit/>
           </a:bodyPr>
           <a:lstStyle/>
@@ -3793,13 +3410,18 @@
               <a:rPr lang="en-US"/>
               <a:t>Fifth level</a:t>
             </a:r>
-            <a:endParaRPr lang="en-US" dirty="0"/>
           </a:p>
         </p:txBody>
       </p:sp>
       <p:sp>
         <p:nvSpPr>
-          <p:cNvPr id="4" name="Date Placeholder 3"/>
+          <p:cNvPr id="4" name="Date Placeholder 3">
+            <a:extLst>
+              <a:ext uri="{FF2B5EF4-FFF2-40B4-BE49-F238E27FC236}">
+                <a16:creationId xmlns:a16="http://schemas.microsoft.com/office/drawing/2014/main" id="{03831B84-A866-4DE1-A324-6EDE5608B786}"/>
+              </a:ext>
+            </a:extLst>
+          </p:cNvPr>
           <p:cNvSpPr>
             <a:spLocks noGrp="1"/>
           </p:cNvSpPr>
@@ -3809,8 +3431,8 @@
         </p:nvSpPr>
         <p:spPr>
           <a:xfrm>
-            <a:off x="1097280" y="6459785"/>
-            <a:ext cx="2472271" cy="365125"/>
+            <a:off x="838200" y="6356350"/>
+            <a:ext cx="2743200" cy="365125"/>
           </a:xfrm>
           <a:prstGeom prst="rect">
             <a:avLst/>
@@ -3820,9 +3442,11 @@
           <a:bodyPr vert="horz" lIns="91440" tIns="45720" rIns="91440" bIns="45720" rtlCol="0" anchor="ctr"/>
           <a:lstStyle>
             <a:lvl1pPr algn="l">
-              <a:defRPr sz="900">
+              <a:defRPr sz="1200">
                 <a:solidFill>
-                  <a:srgbClr val="FFFFFF"/>
+                  <a:schemeClr val="tx1">
+                    <a:tint val="75000"/>
+                  </a:schemeClr>
                 </a:solidFill>
               </a:defRPr>
             </a:lvl1pPr>
@@ -3830,7 +3454,7 @@
           <a:p>
             <a:fld id="{8037BD97-F9CB-4136-94C9-564ACB7F02B2}" type="datetimeFigureOut">
               <a:rPr lang="en-US" smtClean="0"/>
-              <a:t>5/10/2021</a:t>
+              <a:t>9/8/2021</a:t>
             </a:fld>
             <a:endParaRPr lang="en-US"/>
           </a:p>
@@ -3838,7 +3462,13 @@
       </p:sp>
       <p:sp>
         <p:nvSpPr>
-          <p:cNvPr id="5" name="Footer Placeholder 4"/>
+          <p:cNvPr id="5" name="Footer Placeholder 4">
+            <a:extLst>
+              <a:ext uri="{FF2B5EF4-FFF2-40B4-BE49-F238E27FC236}">
+                <a16:creationId xmlns:a16="http://schemas.microsoft.com/office/drawing/2014/main" id="{DA8C234B-A6C7-4296-941F-3266A3A21B2E}"/>
+              </a:ext>
+            </a:extLst>
+          </p:cNvPr>
           <p:cNvSpPr>
             <a:spLocks noGrp="1"/>
           </p:cNvSpPr>
@@ -3848,8 +3478,8 @@
         </p:nvSpPr>
         <p:spPr>
           <a:xfrm>
-            <a:off x="3686185" y="6459785"/>
-            <a:ext cx="4822804" cy="365125"/>
+            <a:off x="4038600" y="6356350"/>
+            <a:ext cx="4114800" cy="365125"/>
           </a:xfrm>
           <a:prstGeom prst="rect">
             <a:avLst/>
@@ -3859,9 +3489,11 @@
           <a:bodyPr vert="horz" lIns="91440" tIns="45720" rIns="91440" bIns="45720" rtlCol="0" anchor="ctr"/>
           <a:lstStyle>
             <a:lvl1pPr algn="ctr">
-              <a:defRPr sz="900" cap="all" baseline="0">
+              <a:defRPr sz="1200">
                 <a:solidFill>
-                  <a:srgbClr val="FFFFFF"/>
+                  <a:schemeClr val="tx1">
+                    <a:tint val="75000"/>
+                  </a:schemeClr>
                 </a:solidFill>
               </a:defRPr>
             </a:lvl1pPr>
@@ -3873,7 +3505,13 @@
       </p:sp>
       <p:sp>
         <p:nvSpPr>
-          <p:cNvPr id="6" name="Slide Number Placeholder 5"/>
+          <p:cNvPr id="6" name="Slide Number Placeholder 5">
+            <a:extLst>
+              <a:ext uri="{FF2B5EF4-FFF2-40B4-BE49-F238E27FC236}">
+                <a16:creationId xmlns:a16="http://schemas.microsoft.com/office/drawing/2014/main" id="{620FDBA9-59D3-41AC-AE6E-8F669A42BE62}"/>
+              </a:ext>
+            </a:extLst>
+          </p:cNvPr>
           <p:cNvSpPr>
             <a:spLocks noGrp="1"/>
           </p:cNvSpPr>
@@ -3883,8 +3521,8 @@
         </p:nvSpPr>
         <p:spPr>
           <a:xfrm>
-            <a:off x="9900458" y="6459785"/>
-            <a:ext cx="1312025" cy="365125"/>
+            <a:off x="8610600" y="6356350"/>
+            <a:ext cx="2743200" cy="365125"/>
           </a:xfrm>
           <a:prstGeom prst="rect">
             <a:avLst/>
@@ -3894,9 +3532,11 @@
           <a:bodyPr vert="horz" lIns="91440" tIns="45720" rIns="91440" bIns="45720" rtlCol="0" anchor="ctr"/>
           <a:lstStyle>
             <a:lvl1pPr algn="r">
-              <a:defRPr sz="1050">
+              <a:defRPr sz="1200">
                 <a:solidFill>
-                  <a:srgbClr val="FFFFFF"/>
+                  <a:schemeClr val="tx1">
+                    <a:tint val="75000"/>
+                  </a:schemeClr>
                 </a:solidFill>
               </a:defRPr>
             </a:lvl1pPr>
@@ -3910,81 +3550,40 @@
           </a:p>
         </p:txBody>
       </p:sp>
-      <p:cxnSp>
-        <p:nvCxnSpPr>
-          <p:cNvPr id="10" name="Straight Connector 9"/>
-          <p:cNvCxnSpPr/>
-          <p:nvPr/>
-        </p:nvCxnSpPr>
-        <p:spPr>
-          <a:xfrm>
-            <a:off x="1193532" y="1737845"/>
-            <a:ext cx="9966960" cy="0"/>
-          </a:xfrm>
-          <a:prstGeom prst="line">
-            <a:avLst/>
-          </a:prstGeom>
-          <a:ln w="6350">
-            <a:solidFill>
-              <a:schemeClr val="tx1">
-                <a:lumMod val="50000"/>
-                <a:lumOff val="50000"/>
-              </a:schemeClr>
-            </a:solidFill>
-          </a:ln>
-        </p:spPr>
-        <p:style>
-          <a:lnRef idx="1">
-            <a:schemeClr val="accent1"/>
-          </a:lnRef>
-          <a:fillRef idx="0">
-            <a:schemeClr val="accent1"/>
-          </a:fillRef>
-          <a:effectRef idx="0">
-            <a:schemeClr val="accent1"/>
-          </a:effectRef>
-          <a:fontRef idx="minor">
-            <a:schemeClr val="tx1"/>
-          </a:fontRef>
-        </p:style>
-      </p:cxnSp>
     </p:spTree>
     <p:extLst>
       <p:ext uri="{BB962C8B-B14F-4D97-AF65-F5344CB8AC3E}">
-        <p14:creationId xmlns:p14="http://schemas.microsoft.com/office/powerpoint/2010/main" val="400285149"/>
+        <p14:creationId xmlns:p14="http://schemas.microsoft.com/office/powerpoint/2010/main" val="3147834913"/>
       </p:ext>
     </p:extLst>
   </p:cSld>
   <p:clrMap bg1="lt1" tx1="dk1" bg2="lt2" tx2="dk2" accent1="accent1" accent2="accent2" accent3="accent3" accent4="accent4" accent5="accent5" accent6="accent6" hlink="hlink" folHlink="folHlink"/>
   <p:sldLayoutIdLst>
-    <p:sldLayoutId id="2147483661" r:id="rId1"/>
-    <p:sldLayoutId id="2147483662" r:id="rId2"/>
-    <p:sldLayoutId id="2147483663" r:id="rId3"/>
-    <p:sldLayoutId id="2147483664" r:id="rId4"/>
-    <p:sldLayoutId id="2147483665" r:id="rId5"/>
-    <p:sldLayoutId id="2147483666" r:id="rId6"/>
-    <p:sldLayoutId id="2147483667" r:id="rId7"/>
-    <p:sldLayoutId id="2147483668" r:id="rId8"/>
-    <p:sldLayoutId id="2147483669" r:id="rId9"/>
-    <p:sldLayoutId id="2147483670" r:id="rId10"/>
-    <p:sldLayoutId id="2147483671" r:id="rId11"/>
+    <p:sldLayoutId id="2147483673" r:id="rId1"/>
+    <p:sldLayoutId id="2147483674" r:id="rId2"/>
+    <p:sldLayoutId id="2147483675" r:id="rId3"/>
+    <p:sldLayoutId id="2147483676" r:id="rId4"/>
+    <p:sldLayoutId id="2147483677" r:id="rId5"/>
+    <p:sldLayoutId id="2147483678" r:id="rId6"/>
+    <p:sldLayoutId id="2147483679" r:id="rId7"/>
+    <p:sldLayoutId id="2147483680" r:id="rId8"/>
+    <p:sldLayoutId id="2147483681" r:id="rId9"/>
+    <p:sldLayoutId id="2147483682" r:id="rId10"/>
+    <p:sldLayoutId id="2147483683" r:id="rId11"/>
   </p:sldLayoutIdLst>
   <p:txStyles>
     <p:titleStyle>
       <a:lvl1pPr algn="l" defTabSz="914400" rtl="0" eaLnBrk="1" latinLnBrk="0" hangingPunct="1">
         <a:lnSpc>
-          <a:spcPct val="85000"/>
+          <a:spcPct val="90000"/>
         </a:lnSpc>
         <a:spcBef>
           <a:spcPct val="0"/>
         </a:spcBef>
         <a:buNone/>
-        <a:defRPr sz="4800" kern="1200" spc="-50" baseline="0">
+        <a:defRPr sz="4400" kern="1200">
           <a:solidFill>
-            <a:schemeClr val="tx1">
-              <a:lumMod val="75000"/>
-              <a:lumOff val="25000"/>
-            </a:schemeClr>
+            <a:schemeClr val="tx1"/>
           </a:solidFill>
           <a:latin typeface="+mj-lt"/>
           <a:ea typeface="+mj-ea"/>
@@ -3993,244 +3592,162 @@
       </a:lvl1pPr>
     </p:titleStyle>
     <p:bodyStyle>
-      <a:lvl1pPr marL="91440" indent="-91440" algn="l" defTabSz="914400" rtl="0" eaLnBrk="1" latinLnBrk="0" hangingPunct="1">
+      <a:lvl1pPr marL="228600" indent="-228600" algn="l" defTabSz="914400" rtl="0" eaLnBrk="1" latinLnBrk="0" hangingPunct="1">
         <a:lnSpc>
           <a:spcPct val="90000"/>
         </a:lnSpc>
         <a:spcBef>
-          <a:spcPts val="1200"/>
+          <a:spcPts val="1000"/>
         </a:spcBef>
-        <a:spcAft>
-          <a:spcPts val="200"/>
-        </a:spcAft>
-        <a:buClr>
-          <a:schemeClr val="accent1"/>
-        </a:buClr>
-        <a:buSzPct val="100000"/>
-        <a:buFont typeface="Calibri" panose="020F0502020204030204" pitchFamily="34" charset="0"/>
-        <a:buChar char=" "/>
-        <a:defRPr sz="2000" kern="1200">
+        <a:buFont typeface="Arial" panose="020B0604020202020204" pitchFamily="34" charset="0"/>
+        <a:buChar char="•"/>
+        <a:defRPr sz="2800" kern="1200">
           <a:solidFill>
-            <a:schemeClr val="tx1">
-              <a:lumMod val="75000"/>
-              <a:lumOff val="25000"/>
-            </a:schemeClr>
+            <a:schemeClr val="tx1"/>
           </a:solidFill>
           <a:latin typeface="+mn-lt"/>
           <a:ea typeface="+mn-ea"/>
           <a:cs typeface="+mn-cs"/>
         </a:defRPr>
       </a:lvl1pPr>
-      <a:lvl2pPr marL="384048" indent="-182880" algn="l" defTabSz="914400" rtl="0" eaLnBrk="1" latinLnBrk="0" hangingPunct="1">
+      <a:lvl2pPr marL="685800" indent="-228600" algn="l" defTabSz="914400" rtl="0" eaLnBrk="1" latinLnBrk="0" hangingPunct="1">
         <a:lnSpc>
           <a:spcPct val="90000"/>
         </a:lnSpc>
         <a:spcBef>
-          <a:spcPts val="200"/>
+          <a:spcPts val="500"/>
         </a:spcBef>
-        <a:spcAft>
-          <a:spcPts val="400"/>
-        </a:spcAft>
-        <a:buClr>
-          <a:schemeClr val="accent1"/>
-        </a:buClr>
-        <a:buFont typeface="Calibri" pitchFamily="34" charset="0"/>
-        <a:buChar char="◦"/>
-        <a:defRPr sz="1800" kern="1200">
+        <a:buFont typeface="Arial" panose="020B0604020202020204" pitchFamily="34" charset="0"/>
+        <a:buChar char="•"/>
+        <a:defRPr sz="2400" kern="1200">
           <a:solidFill>
-            <a:schemeClr val="tx1">
-              <a:lumMod val="75000"/>
-              <a:lumOff val="25000"/>
-            </a:schemeClr>
+            <a:schemeClr val="tx1"/>
           </a:solidFill>
           <a:latin typeface="+mn-lt"/>
           <a:ea typeface="+mn-ea"/>
           <a:cs typeface="+mn-cs"/>
         </a:defRPr>
       </a:lvl2pPr>
-      <a:lvl3pPr marL="566928" indent="-182880" algn="l" defTabSz="914400" rtl="0" eaLnBrk="1" latinLnBrk="0" hangingPunct="1">
+      <a:lvl3pPr marL="1143000" indent="-228600" algn="l" defTabSz="914400" rtl="0" eaLnBrk="1" latinLnBrk="0" hangingPunct="1">
         <a:lnSpc>
           <a:spcPct val="90000"/>
         </a:lnSpc>
         <a:spcBef>
-          <a:spcPts val="200"/>
+          <a:spcPts val="500"/>
         </a:spcBef>
-        <a:spcAft>
-          <a:spcPts val="400"/>
-        </a:spcAft>
-        <a:buClr>
-          <a:schemeClr val="accent1"/>
-        </a:buClr>
-        <a:buFont typeface="Calibri" pitchFamily="34" charset="0"/>
-        <a:buChar char="◦"/>
-        <a:defRPr sz="1400" kern="1200">
+        <a:buFont typeface="Arial" panose="020B0604020202020204" pitchFamily="34" charset="0"/>
+        <a:buChar char="•"/>
+        <a:defRPr sz="2000" kern="1200">
           <a:solidFill>
-            <a:schemeClr val="tx1">
-              <a:lumMod val="75000"/>
-              <a:lumOff val="25000"/>
-            </a:schemeClr>
+            <a:schemeClr val="tx1"/>
           </a:solidFill>
           <a:latin typeface="+mn-lt"/>
           <a:ea typeface="+mn-ea"/>
           <a:cs typeface="+mn-cs"/>
         </a:defRPr>
       </a:lvl3pPr>
-      <a:lvl4pPr marL="749808" indent="-182880" algn="l" defTabSz="914400" rtl="0" eaLnBrk="1" latinLnBrk="0" hangingPunct="1">
+      <a:lvl4pPr marL="1600200" indent="-228600" algn="l" defTabSz="914400" rtl="0" eaLnBrk="1" latinLnBrk="0" hangingPunct="1">
         <a:lnSpc>
           <a:spcPct val="90000"/>
         </a:lnSpc>
         <a:spcBef>
-          <a:spcPts val="200"/>
+          <a:spcPts val="500"/>
         </a:spcBef>
-        <a:spcAft>
-          <a:spcPts val="400"/>
-        </a:spcAft>
-        <a:buClr>
-          <a:schemeClr val="accent1"/>
-        </a:buClr>
-        <a:buFont typeface="Calibri" pitchFamily="34" charset="0"/>
-        <a:buChar char="◦"/>
-        <a:defRPr sz="1400" kern="1200">
+        <a:buFont typeface="Arial" panose="020B0604020202020204" pitchFamily="34" charset="0"/>
+        <a:buChar char="•"/>
+        <a:defRPr sz="1800" kern="1200">
           <a:solidFill>
-            <a:schemeClr val="tx1">
-              <a:lumMod val="75000"/>
-              <a:lumOff val="25000"/>
-            </a:schemeClr>
+            <a:schemeClr val="tx1"/>
           </a:solidFill>
           <a:latin typeface="+mn-lt"/>
           <a:ea typeface="+mn-ea"/>
           <a:cs typeface="+mn-cs"/>
         </a:defRPr>
       </a:lvl4pPr>
-      <a:lvl5pPr marL="932688" indent="-182880" algn="l" defTabSz="914400" rtl="0" eaLnBrk="1" latinLnBrk="0" hangingPunct="1">
+      <a:lvl5pPr marL="2057400" indent="-228600" algn="l" defTabSz="914400" rtl="0" eaLnBrk="1" latinLnBrk="0" hangingPunct="1">
         <a:lnSpc>
           <a:spcPct val="90000"/>
         </a:lnSpc>
         <a:spcBef>
-          <a:spcPts val="200"/>
+          <a:spcPts val="500"/>
         </a:spcBef>
-        <a:spcAft>
-          <a:spcPts val="400"/>
-        </a:spcAft>
-        <a:buClr>
-          <a:schemeClr val="accent1"/>
-        </a:buClr>
-        <a:buFont typeface="Calibri" pitchFamily="34" charset="0"/>
-        <a:buChar char="◦"/>
-        <a:defRPr sz="1400" kern="1200">
+        <a:buFont typeface="Arial" panose="020B0604020202020204" pitchFamily="34" charset="0"/>
+        <a:buChar char="•"/>
+        <a:defRPr sz="1800" kern="1200">
           <a:solidFill>
-            <a:schemeClr val="tx1">
-              <a:lumMod val="75000"/>
-              <a:lumOff val="25000"/>
-            </a:schemeClr>
+            <a:schemeClr val="tx1"/>
           </a:solidFill>
           <a:latin typeface="+mn-lt"/>
           <a:ea typeface="+mn-ea"/>
           <a:cs typeface="+mn-cs"/>
         </a:defRPr>
       </a:lvl5pPr>
-      <a:lvl6pPr marL="1100000" indent="-228600" algn="l" defTabSz="914400" rtl="0" eaLnBrk="1" latinLnBrk="0" hangingPunct="1">
+      <a:lvl6pPr marL="2514600" indent="-228600" algn="l" defTabSz="914400" rtl="0" eaLnBrk="1" latinLnBrk="0" hangingPunct="1">
         <a:lnSpc>
           <a:spcPct val="90000"/>
         </a:lnSpc>
         <a:spcBef>
-          <a:spcPts val="200"/>
+          <a:spcPts val="500"/>
         </a:spcBef>
-        <a:spcAft>
-          <a:spcPts val="400"/>
-        </a:spcAft>
-        <a:buClr>
-          <a:schemeClr val="accent1"/>
-        </a:buClr>
-        <a:buFont typeface="Calibri" pitchFamily="34" charset="0"/>
-        <a:buChar char="◦"/>
-        <a:defRPr sz="1400" kern="1200">
+        <a:buFont typeface="Arial" panose="020B0604020202020204" pitchFamily="34" charset="0"/>
+        <a:buChar char="•"/>
+        <a:defRPr sz="1800" kern="1200">
           <a:solidFill>
-            <a:schemeClr val="tx1">
-              <a:lumMod val="75000"/>
-              <a:lumOff val="25000"/>
-            </a:schemeClr>
+            <a:schemeClr val="tx1"/>
           </a:solidFill>
           <a:latin typeface="+mn-lt"/>
           <a:ea typeface="+mn-ea"/>
           <a:cs typeface="+mn-cs"/>
         </a:defRPr>
       </a:lvl6pPr>
-      <a:lvl7pPr marL="1300000" indent="-228600" algn="l" defTabSz="914400" rtl="0" eaLnBrk="1" latinLnBrk="0" hangingPunct="1">
+      <a:lvl7pPr marL="2971800" indent="-228600" algn="l" defTabSz="914400" rtl="0" eaLnBrk="1" latinLnBrk="0" hangingPunct="1">
         <a:lnSpc>
           <a:spcPct val="90000"/>
         </a:lnSpc>
         <a:spcBef>
-          <a:spcPts val="200"/>
+          <a:spcPts val="500"/>
         </a:spcBef>
-        <a:spcAft>
-          <a:spcPts val="400"/>
-        </a:spcAft>
-        <a:buClr>
-          <a:schemeClr val="accent1"/>
-        </a:buClr>
-        <a:buFont typeface="Calibri" pitchFamily="34" charset="0"/>
-        <a:buChar char="◦"/>
-        <a:defRPr sz="1400" kern="1200">
+        <a:buFont typeface="Arial" panose="020B0604020202020204" pitchFamily="34" charset="0"/>
+        <a:buChar char="•"/>
+        <a:defRPr sz="1800" kern="1200">
           <a:solidFill>
-            <a:schemeClr val="tx1">
-              <a:lumMod val="75000"/>
-              <a:lumOff val="25000"/>
-            </a:schemeClr>
+            <a:schemeClr val="tx1"/>
           </a:solidFill>
           <a:latin typeface="+mn-lt"/>
           <a:ea typeface="+mn-ea"/>
           <a:cs typeface="+mn-cs"/>
         </a:defRPr>
       </a:lvl7pPr>
-      <a:lvl8pPr marL="1500000" indent="-228600" algn="l" defTabSz="914400" rtl="0" eaLnBrk="1" latinLnBrk="0" hangingPunct="1">
+      <a:lvl8pPr marL="3429000" indent="-228600" algn="l" defTabSz="914400" rtl="0" eaLnBrk="1" latinLnBrk="0" hangingPunct="1">
         <a:lnSpc>
           <a:spcPct val="90000"/>
         </a:lnSpc>
         <a:spcBef>
-          <a:spcPts val="200"/>
+          <a:spcPts val="500"/>
         </a:spcBef>
-        <a:spcAft>
-          <a:spcPts val="400"/>
-        </a:spcAft>
-        <a:buClr>
-          <a:schemeClr val="accent1"/>
-        </a:buClr>
-        <a:buFont typeface="Calibri" pitchFamily="34" charset="0"/>
-        <a:buChar char="◦"/>
-        <a:defRPr sz="1400" kern="1200">
+        <a:buFont typeface="Arial" panose="020B0604020202020204" pitchFamily="34" charset="0"/>
+        <a:buChar char="•"/>
+        <a:defRPr sz="1800" kern="1200">
           <a:solidFill>
-            <a:schemeClr val="tx1">
-              <a:lumMod val="75000"/>
-              <a:lumOff val="25000"/>
-            </a:schemeClr>
+            <a:schemeClr val="tx1"/>
           </a:solidFill>
           <a:latin typeface="+mn-lt"/>
           <a:ea typeface="+mn-ea"/>
           <a:cs typeface="+mn-cs"/>
         </a:defRPr>
       </a:lvl8pPr>
-      <a:lvl9pPr marL="1700000" indent="-228600" algn="l" defTabSz="914400" rtl="0" eaLnBrk="1" latinLnBrk="0" hangingPunct="1">
+      <a:lvl9pPr marL="3886200" indent="-228600" algn="l" defTabSz="914400" rtl="0" eaLnBrk="1" latinLnBrk="0" hangingPunct="1">
         <a:lnSpc>
           <a:spcPct val="90000"/>
         </a:lnSpc>
         <a:spcBef>
-          <a:spcPts val="200"/>
+          <a:spcPts val="500"/>
         </a:spcBef>
-        <a:spcAft>
-          <a:spcPts val="400"/>
-        </a:spcAft>
-        <a:buClr>
-          <a:schemeClr val="accent1"/>
-        </a:buClr>
-        <a:buFont typeface="Calibri" pitchFamily="34" charset="0"/>
-        <a:buChar char="◦"/>
-        <a:defRPr sz="1400" kern="1200">
+        <a:buFont typeface="Arial" panose="020B0604020202020204" pitchFamily="34" charset="0"/>
+        <a:buChar char="•"/>
+        <a:defRPr sz="1800" kern="1200">
           <a:solidFill>
-            <a:schemeClr val="tx1">
-              <a:lumMod val="75000"/>
-              <a:lumOff val="25000"/>
-            </a:schemeClr>
+            <a:schemeClr val="tx1"/>
           </a:solidFill>
           <a:latin typeface="+mn-lt"/>
           <a:ea typeface="+mn-ea"/>
@@ -4372,14 +3889,14 @@
         </p:spPr>
         <p:txBody>
           <a:bodyPr>
-            <a:normAutofit fontScale="90000"/>
+            <a:normAutofit/>
           </a:bodyPr>
           <a:lstStyle/>
           <a:p>
             <a:pPr algn="ctr"/>
             <a:r>
               <a:rPr lang="en-US" b="1" dirty="0"/>
-              <a:t>Tutorial 6:</a:t>
+              <a:t>Tutorial 4:</a:t>
             </a:r>
             <a:br>
               <a:rPr lang="en-US" b="1" dirty="0"/>
@@ -4431,7 +3948,7 @@
               <a:rPr lang="en-US" sz="2800" dirty="0">
                 <a:latin typeface="+mn-lt"/>
               </a:rPr>
-              <a:t>097215 - Natural Language Processing – spring 2021</a:t>
+              <a:t>097215 - Natural Language Processing – Winter 2021-2022</a:t>
             </a:r>
           </a:p>
           <a:p>
@@ -4440,7 +3957,7 @@
               <a:rPr lang="en-US" sz="2800" dirty="0">
                 <a:latin typeface="+mn-lt"/>
               </a:rPr>
-              <a:t>Eyal Ben-David</a:t>
+              <a:t>Tomer Volk</a:t>
             </a:r>
             <a:br>
               <a:rPr lang="en-US" sz="2800" dirty="0">
@@ -4451,13 +3968,25 @@
               <a:rPr lang="en-US" dirty="0">
                 <a:latin typeface="+mn-lt"/>
               </a:rPr>
-              <a:t>Based on Slides by DOR Zohar and </a:t>
+              <a:t>Based on Slides by DOR Zohar, </a:t>
             </a:r>
             <a:r>
               <a:rPr lang="en-US" sz="2400" dirty="0">
                 <a:latin typeface="+mn-lt"/>
               </a:rPr>
-              <a:t>Nadav Oved</a:t>
+              <a:t>Nadav Oved and </a:t>
+            </a:r>
+            <a:r>
+              <a:rPr lang="en-US" sz="2400" dirty="0" err="1">
+                <a:latin typeface="+mn-lt"/>
+              </a:rPr>
+              <a:t>Eyal</a:t>
+            </a:r>
+            <a:r>
+              <a:rPr lang="en-US" sz="2400" dirty="0">
+                <a:latin typeface="+mn-lt"/>
+              </a:rPr>
+              <a:t> Ben-David</a:t>
             </a:r>
             <a:endParaRPr lang="en-US" dirty="0">
               <a:latin typeface="+mn-lt"/>
@@ -4865,7 +4394,7 @@
         </p:spPr>
         <p:txBody>
           <a:bodyPr>
-            <a:normAutofit/>
+            <a:normAutofit lnSpcReduction="10000"/>
           </a:bodyPr>
           <a:lstStyle/>
           <a:p>
@@ -5029,8 +4558,8 @@
           </a:p>
         </p:txBody>
       </p:sp>
-      <mc:AlternateContent xmlns:mc="http://schemas.openxmlformats.org/markup-compatibility/2006" xmlns:a14="http://schemas.microsoft.com/office/drawing/2010/main">
-        <mc:Choice Requires="a14">
+      <mc:AlternateContent xmlns:mc="http://schemas.openxmlformats.org/markup-compatibility/2006">
+        <mc:Choice xmlns:a14="http://schemas.microsoft.com/office/drawing/2010/main" Requires="a14">
           <p:sp>
             <p:nvSpPr>
               <p:cNvPr id="3" name="Content Placeholder 2"/>
@@ -5335,7 +4864,7 @@
             </p:txBody>
           </p:sp>
         </mc:Choice>
-        <mc:Fallback xmlns="">
+        <mc:Fallback>
           <p:sp>
             <p:nvSpPr>
               <p:cNvPr id="3" name="Content Placeholder 2"/>
@@ -5354,7 +4883,7 @@
               <a:blipFill>
                 <a:blip r:embed="rId2"/>
                 <a:stretch>
-                  <a:fillRect l="-1576" t="-2249"/>
+                  <a:fillRect l="-667" t="-2249" r="-1273"/>
                 </a:stretch>
               </a:blipFill>
             </p:spPr>
@@ -5363,7 +4892,7 @@
               <a:lstStyle/>
               <a:p>
                 <a:r>
-                  <a:rPr lang="en-IL">
+                  <a:rPr lang="en-US">
                     <a:noFill/>
                   </a:rPr>
                   <a:t> </a:t>
@@ -5394,7 +4923,7 @@
         </p:blipFill>
         <p:spPr>
           <a:xfrm>
-            <a:off x="5440681" y="3995926"/>
+            <a:off x="5467314" y="3818373"/>
             <a:ext cx="5495544" cy="804672"/>
           </a:xfrm>
           <a:prstGeom prst="rect">
@@ -5465,12 +4994,7 @@
             <p:ph idx="1"/>
           </p:nvPr>
         </p:nvSpPr>
-        <p:spPr>
-          <a:xfrm>
-            <a:off x="1097280" y="1845734"/>
-            <a:ext cx="10058400" cy="4023360"/>
-          </a:xfrm>
-        </p:spPr>
+        <p:spPr/>
         <p:txBody>
           <a:bodyPr>
             <a:normAutofit/>
@@ -5589,7 +5113,7 @@
         </p:nvSpPr>
         <p:spPr>
           <a:xfrm>
-            <a:off x="8332236" y="5879346"/>
+            <a:off x="8143696" y="5946130"/>
             <a:ext cx="4844267" cy="461665"/>
           </a:xfrm>
           <a:prstGeom prst="rect">
@@ -9367,12 +8891,7 @@
             <p:ph type="title"/>
           </p:nvPr>
         </p:nvSpPr>
-        <p:spPr>
-          <a:xfrm>
-            <a:off x="1097280" y="286603"/>
-            <a:ext cx="10058400" cy="1450757"/>
-          </a:xfrm>
-        </p:spPr>
+        <p:spPr/>
         <p:txBody>
           <a:bodyPr/>
           <a:lstStyle/>
@@ -9581,34 +9100,6 @@
             <a:r>
               <a:rPr lang="en-US" sz="1800" dirty="0"/>
               <a:t>I know that many of my friends do not like this movie because it was too long and repetitive, but I didn’t.</a:t>
-            </a:r>
-          </a:p>
-          <a:p>
-            <a:pPr>
-              <a:buFont typeface="Arial" panose="020B0604020202020204" pitchFamily="34" charset="0"/>
-              <a:buChar char="•"/>
-            </a:pPr>
-            <a:r>
-              <a:rPr lang="en-US" sz="2400" dirty="0"/>
-              <a:t> Sequential models we have seen so far – Language Models, HMMs, Word2Vec.</a:t>
-            </a:r>
-          </a:p>
-          <a:p>
-            <a:pPr lvl="1">
-              <a:buFont typeface="Arial" panose="020B0604020202020204" pitchFamily="34" charset="0"/>
-              <a:buChar char="•"/>
-            </a:pPr>
-            <a:r>
-              <a:rPr lang="en-US" sz="2200" dirty="0"/>
-              <a:t>Usually define the sequential dependence explicitly (</a:t>
-            </a:r>
-            <a:r>
-              <a:rPr lang="en-US" sz="2200" dirty="0" err="1"/>
-              <a:t>f.e</a:t>
-            </a:r>
-            <a:r>
-              <a:rPr lang="en-US" sz="2200" dirty="0"/>
-              <a:t>. Markov assumption, n-gram)</a:t>
             </a:r>
           </a:p>
         </p:txBody>
@@ -18634,54 +18125,54 @@
 </file>
 
 <file path=ppt/theme/theme1.xml><?xml version="1.0" encoding="utf-8"?>
-<a:theme xmlns:a="http://schemas.openxmlformats.org/drawingml/2006/main" name="Retrospect">
+<a:theme xmlns:a="http://schemas.openxmlformats.org/drawingml/2006/main" name="Office Theme">
   <a:themeElements>
-    <a:clrScheme name="Retrospect">
+    <a:clrScheme name="Office">
       <a:dk1>
-        <a:srgbClr val="000000"/>
+        <a:sysClr val="windowText" lastClr="000000"/>
       </a:dk1>
       <a:lt1>
         <a:sysClr val="window" lastClr="FFFFFF"/>
       </a:lt1>
       <a:dk2>
-        <a:srgbClr val="637052"/>
+        <a:srgbClr val="44546A"/>
       </a:dk2>
       <a:lt2>
-        <a:srgbClr val="CCDDEA"/>
+        <a:srgbClr val="E7E6E6"/>
       </a:lt2>
       <a:accent1>
-        <a:srgbClr val="E48312"/>
+        <a:srgbClr val="4472C4"/>
       </a:accent1>
       <a:accent2>
-        <a:srgbClr val="BD582C"/>
+        <a:srgbClr val="ED7D31"/>
       </a:accent2>
       <a:accent3>
-        <a:srgbClr val="865640"/>
+        <a:srgbClr val="A5A5A5"/>
       </a:accent3>
       <a:accent4>
-        <a:srgbClr val="9B8357"/>
+        <a:srgbClr val="FFC000"/>
       </a:accent4>
       <a:accent5>
-        <a:srgbClr val="C2BC80"/>
+        <a:srgbClr val="5B9BD5"/>
       </a:accent5>
       <a:accent6>
-        <a:srgbClr val="94A088"/>
+        <a:srgbClr val="70AD47"/>
       </a:accent6>
       <a:hlink>
-        <a:srgbClr val="2998E3"/>
+        <a:srgbClr val="0563C1"/>
       </a:hlink>
       <a:folHlink>
-        <a:srgbClr val="8C8C8C"/>
+        <a:srgbClr val="954F72"/>
       </a:folHlink>
     </a:clrScheme>
-    <a:fontScheme name="Retrospect">
+    <a:fontScheme name="Office">
       <a:majorFont>
         <a:latin typeface="Calibri Light" panose="020F0302020204030204"/>
         <a:ea typeface=""/>
         <a:cs typeface=""/>
-        <a:font script="Jpan" typeface="ＭＳ Ｐゴシック"/>
+        <a:font script="Jpan" typeface="游ゴシック Light"/>
         <a:font script="Hang" typeface="맑은 고딕"/>
-        <a:font script="Hans" typeface="宋体"/>
+        <a:font script="Hans" typeface="等线 Light"/>
         <a:font script="Hant" typeface="新細明體"/>
         <a:font script="Arab" typeface="Times New Roman"/>
         <a:font script="Hebr" typeface="Times New Roman"/>
@@ -18709,14 +18200,31 @@
         <a:font script="Viet" typeface="Times New Roman"/>
         <a:font script="Uigh" typeface="Microsoft Uighur"/>
         <a:font script="Geor" typeface="Sylfaen"/>
+        <a:font script="Armn" typeface="Arial"/>
+        <a:font script="Bugi" typeface="Leelawadee UI"/>
+        <a:font script="Bopo" typeface="Microsoft JhengHei"/>
+        <a:font script="Java" typeface="Javanese Text"/>
+        <a:font script="Lisu" typeface="Segoe UI"/>
+        <a:font script="Mymr" typeface="Myanmar Text"/>
+        <a:font script="Nkoo" typeface="Ebrima"/>
+        <a:font script="Olck" typeface="Nirmala UI"/>
+        <a:font script="Osma" typeface="Ebrima"/>
+        <a:font script="Phag" typeface="Phagspa"/>
+        <a:font script="Syrn" typeface="Estrangelo Edessa"/>
+        <a:font script="Syrj" typeface="Estrangelo Edessa"/>
+        <a:font script="Syre" typeface="Estrangelo Edessa"/>
+        <a:font script="Sora" typeface="Nirmala UI"/>
+        <a:font script="Tale" typeface="Microsoft Tai Le"/>
+        <a:font script="Talu" typeface="Microsoft New Tai Lue"/>
+        <a:font script="Tfng" typeface="Ebrima"/>
       </a:majorFont>
       <a:minorFont>
         <a:latin typeface="Calibri" panose="020F0502020204030204"/>
         <a:ea typeface=""/>
         <a:cs typeface=""/>
-        <a:font script="Jpan" typeface="ＭＳ Ｐゴシック"/>
+        <a:font script="Jpan" typeface="游ゴシック"/>
         <a:font script="Hang" typeface="맑은 고딕"/>
-        <a:font script="Hans" typeface="宋体"/>
+        <a:font script="Hans" typeface="等线"/>
         <a:font script="Hant" typeface="新細明體"/>
         <a:font script="Arab" typeface="Arial"/>
         <a:font script="Hebr" typeface="Arial"/>
@@ -18744,9 +18252,26 @@
         <a:font script="Viet" typeface="Arial"/>
         <a:font script="Uigh" typeface="Microsoft Uighur"/>
         <a:font script="Geor" typeface="Sylfaen"/>
+        <a:font script="Armn" typeface="Arial"/>
+        <a:font script="Bugi" typeface="Leelawadee UI"/>
+        <a:font script="Bopo" typeface="Microsoft JhengHei"/>
+        <a:font script="Java" typeface="Javanese Text"/>
+        <a:font script="Lisu" typeface="Segoe UI"/>
+        <a:font script="Mymr" typeface="Myanmar Text"/>
+        <a:font script="Nkoo" typeface="Ebrima"/>
+        <a:font script="Olck" typeface="Nirmala UI"/>
+        <a:font script="Osma" typeface="Ebrima"/>
+        <a:font script="Phag" typeface="Phagspa"/>
+        <a:font script="Syrn" typeface="Estrangelo Edessa"/>
+        <a:font script="Syrj" typeface="Estrangelo Edessa"/>
+        <a:font script="Syre" typeface="Estrangelo Edessa"/>
+        <a:font script="Sora" typeface="Nirmala UI"/>
+        <a:font script="Tale" typeface="Microsoft Tai Le"/>
+        <a:font script="Talu" typeface="Microsoft New Tai Lue"/>
+        <a:font script="Tfng" typeface="Ebrima"/>
       </a:minorFont>
     </a:fontScheme>
-    <a:fmtScheme name="Retrospect">
+    <a:fmtScheme name="Office">
       <a:fillStyleLst>
         <a:solidFill>
           <a:schemeClr val="phClr"/>
@@ -18755,81 +18280,76 @@
           <a:gsLst>
             <a:gs pos="0">
               <a:schemeClr val="phClr">
-                <a:tint val="65000"/>
-                <a:shade val="92000"/>
-                <a:satMod val="130000"/>
+                <a:lumMod val="110000"/>
+                <a:satMod val="105000"/>
+                <a:tint val="67000"/>
               </a:schemeClr>
             </a:gs>
-            <a:gs pos="45000">
+            <a:gs pos="50000">
               <a:schemeClr val="phClr">
-                <a:tint val="60000"/>
-                <a:shade val="99000"/>
-                <a:satMod val="120000"/>
+                <a:lumMod val="105000"/>
+                <a:satMod val="103000"/>
+                <a:tint val="73000"/>
               </a:schemeClr>
             </a:gs>
             <a:gs pos="100000">
               <a:schemeClr val="phClr">
-                <a:tint val="55000"/>
-                <a:satMod val="140000"/>
+                <a:lumMod val="105000"/>
+                <a:satMod val="109000"/>
+                <a:tint val="81000"/>
               </a:schemeClr>
             </a:gs>
           </a:gsLst>
-          <a:path path="circle">
-            <a:fillToRect l="100000" t="100000" r="100000" b="100000"/>
-          </a:path>
+          <a:lin ang="5400000" scaled="0"/>
         </a:gradFill>
         <a:gradFill rotWithShape="1">
           <a:gsLst>
             <a:gs pos="0">
               <a:schemeClr val="phClr">
-                <a:shade val="85000"/>
-                <a:satMod val="130000"/>
+                <a:satMod val="103000"/>
+                <a:lumMod val="102000"/>
+                <a:tint val="94000"/>
               </a:schemeClr>
             </a:gs>
-            <a:gs pos="34000">
+            <a:gs pos="50000">
               <a:schemeClr val="phClr">
-                <a:shade val="87000"/>
-                <a:satMod val="125000"/>
-              </a:schemeClr>
-            </a:gs>
-            <a:gs pos="70000">
-              <a:schemeClr val="phClr">
-                <a:tint val="100000"/>
-                <a:shade val="90000"/>
-                <a:satMod val="130000"/>
+                <a:satMod val="110000"/>
+                <a:lumMod val="100000"/>
+                <a:shade val="100000"/>
               </a:schemeClr>
             </a:gs>
             <a:gs pos="100000">
               <a:schemeClr val="phClr">
-                <a:tint val="100000"/>
-                <a:shade val="100000"/>
-                <a:satMod val="110000"/>
+                <a:lumMod val="99000"/>
+                <a:satMod val="120000"/>
+                <a:shade val="78000"/>
               </a:schemeClr>
             </a:gs>
           </a:gsLst>
-          <a:path path="circle">
-            <a:fillToRect l="100000" t="100000" r="100000" b="100000"/>
-          </a:path>
+          <a:lin ang="5400000" scaled="0"/>
         </a:gradFill>
       </a:fillStyleLst>
       <a:lnStyleLst>
+        <a:ln w="6350" cap="flat" cmpd="sng" algn="ctr">
+          <a:solidFill>
+            <a:schemeClr val="phClr"/>
+          </a:solidFill>
+          <a:prstDash val="solid"/>
+          <a:miter lim="800000"/>
+        </a:ln>
         <a:ln w="12700" cap="flat" cmpd="sng" algn="ctr">
           <a:solidFill>
             <a:schemeClr val="phClr"/>
           </a:solidFill>
           <a:prstDash val="solid"/>
+          <a:miter lim="800000"/>
         </a:ln>
-        <a:ln w="15875" cap="flat" cmpd="sng" algn="ctr">
+        <a:ln w="19050" cap="flat" cmpd="sng" algn="ctr">
           <a:solidFill>
             <a:schemeClr val="phClr"/>
           </a:solidFill>
           <a:prstDash val="solid"/>
-        </a:ln>
-        <a:ln w="25400" cap="flat" cmpd="sng" algn="ctr">
-          <a:solidFill>
-            <a:schemeClr val="phClr"/>
-          </a:solidFill>
-          <a:prstDash val="solid"/>
+          <a:miter lim="800000"/>
         </a:ln>
       </a:lnStyleLst>
       <a:effectStyleLst>
@@ -18837,33 +18357,16 @@
           <a:effectLst/>
         </a:effectStyle>
         <a:effectStyle>
+          <a:effectLst/>
+        </a:effectStyle>
+        <a:effectStyle>
           <a:effectLst>
-            <a:outerShdw blurRad="38100" dist="25400" dir="2700000" algn="br" rotWithShape="0">
+            <a:outerShdw blurRad="57150" dist="19050" dir="5400000" algn="ctr" rotWithShape="0">
               <a:srgbClr val="000000">
-                <a:alpha val="60000"/>
+                <a:alpha val="63000"/>
               </a:srgbClr>
             </a:outerShdw>
           </a:effectLst>
-        </a:effectStyle>
-        <a:effectStyle>
-          <a:effectLst>
-            <a:outerShdw blurRad="44450" dist="25400" dir="2700000" algn="br" rotWithShape="0">
-              <a:srgbClr val="000000">
-                <a:alpha val="60000"/>
-              </a:srgbClr>
-            </a:outerShdw>
-          </a:effectLst>
-          <a:scene3d>
-            <a:camera prst="orthographicFront">
-              <a:rot lat="0" lon="0" rev="0"/>
-            </a:camera>
-            <a:lightRig rig="threePt" dir="t">
-              <a:rot lat="0" lon="0" rev="19800000"/>
-            </a:lightRig>
-          </a:scene3d>
-          <a:sp3d prstMaterial="flat">
-            <a:bevelT w="25400" h="31750"/>
-          </a:sp3d>
         </a:effectStyle>
       </a:effectStyleLst>
       <a:bgFillStyleLst>
@@ -18872,36 +18375,36 @@
         </a:solidFill>
         <a:solidFill>
           <a:schemeClr val="phClr">
-            <a:tint val="90000"/>
-            <a:shade val="97000"/>
-            <a:satMod val="130000"/>
+            <a:tint val="95000"/>
+            <a:satMod val="170000"/>
           </a:schemeClr>
         </a:solidFill>
         <a:gradFill rotWithShape="1">
           <a:gsLst>
             <a:gs pos="0">
               <a:schemeClr val="phClr">
-                <a:tint val="96000"/>
-                <a:shade val="99000"/>
-                <a:satMod val="140000"/>
+                <a:tint val="93000"/>
+                <a:satMod val="150000"/>
+                <a:shade val="98000"/>
+                <a:lumMod val="102000"/>
               </a:schemeClr>
             </a:gs>
-            <a:gs pos="65000">
+            <a:gs pos="50000">
               <a:schemeClr val="phClr">
-                <a:tint val="100000"/>
-                <a:shade val="80000"/>
+                <a:tint val="98000"/>
                 <a:satMod val="130000"/>
+                <a:shade val="90000"/>
+                <a:lumMod val="103000"/>
               </a:schemeClr>
             </a:gs>
             <a:gs pos="100000">
               <a:schemeClr val="phClr">
-                <a:tint val="100000"/>
-                <a:shade val="48000"/>
+                <a:shade val="63000"/>
                 <a:satMod val="120000"/>
               </a:schemeClr>
             </a:gs>
           </a:gsLst>
-          <a:lin ang="16200000" scaled="0"/>
+          <a:lin ang="5400000" scaled="0"/>
         </a:gradFill>
       </a:bgFillStyleLst>
     </a:fmtScheme>
@@ -18910,7 +18413,7 @@
   <a:extraClrSchemeLst/>
   <a:extLst>
     <a:ext uri="{05A4C25C-085E-4340-85A3-A5531E510DB2}">
-      <thm15:themeFamily xmlns:thm15="http://schemas.microsoft.com/office/thememl/2012/main" name="Retrospect" id="{5F128B03-DCCA-4EEB-AB3B-CF2899314A46}" vid="{3F1AAB62-24C6-49D2-8E01-B56FAC9A3DCD}"/>
+      <thm15:themeFamily xmlns:thm15="http://schemas.microsoft.com/office/thememl/2012/main" name="Office Theme" id="{62F939B6-93AF-4DB8-9C6B-D6C7DFDC589F}" vid="{4A3C46E8-61CC-4603-A589-7422A47A8E4A}"/>
     </a:ext>
   </a:extLst>
 </a:theme>
